--- a/요구사항정의서/유스케이스 다이어그램.pptx
+++ b/요구사항정의서/유스케이스 다이어그램.pptx
@@ -5,15 +5,18 @@
     <p:sldMasterId id="2147483648" r:id="rId1"/>
   </p:sldMasterIdLst>
   <p:notesMasterIdLst>
-    <p:notesMasterId r:id="rId8"/>
+    <p:notesMasterId r:id="rId11"/>
   </p:notesMasterIdLst>
   <p:sldIdLst>
-    <p:sldId id="261" r:id="rId2"/>
-    <p:sldId id="259" r:id="rId3"/>
-    <p:sldId id="260" r:id="rId4"/>
-    <p:sldId id="257" r:id="rId5"/>
-    <p:sldId id="256" r:id="rId6"/>
-    <p:sldId id="258" r:id="rId7"/>
+    <p:sldId id="264" r:id="rId2"/>
+    <p:sldId id="261" r:id="rId3"/>
+    <p:sldId id="263" r:id="rId4"/>
+    <p:sldId id="259" r:id="rId5"/>
+    <p:sldId id="262" r:id="rId6"/>
+    <p:sldId id="260" r:id="rId7"/>
+    <p:sldId id="257" r:id="rId8"/>
+    <p:sldId id="256" r:id="rId9"/>
+    <p:sldId id="258" r:id="rId10"/>
   </p:sldIdLst>
   <p:sldSz cx="12192000" cy="6858000"/>
   <p:notesSz cx="6858000" cy="9144000"/>
@@ -117,8 +120,11 @@
       <p14:sectionLst xmlns:p14="http://schemas.microsoft.com/office/powerpoint/2010/main">
         <p14:section name="게시판 제공 플랫폼" id="{9F934EF4-E223-45FF-A426-EB43F3087DBF}">
           <p14:sldIdLst>
+            <p14:sldId id="264"/>
             <p14:sldId id="261"/>
+            <p14:sldId id="263"/>
             <p14:sldId id="259"/>
+            <p14:sldId id="262"/>
             <p14:sldId id="260"/>
           </p14:sldIdLst>
         </p14:section>
@@ -556,7 +562,7 @@
           <a:p>
             <a:fld id="{79F2DBF7-3DB7-4BFD-9F6F-64EBFC31E8EC}" type="slidenum">
               <a:rPr lang="ko-KR" altLang="en-US" smtClean="0"/>
-              <a:t>2</a:t>
+              <a:t>4</a:t>
             </a:fld>
             <a:endParaRPr lang="ko-KR" altLang="en-US"/>
           </a:p>
@@ -640,7 +646,7 @@
           <a:p>
             <a:fld id="{79F2DBF7-3DB7-4BFD-9F6F-64EBFC31E8EC}" type="slidenum">
               <a:rPr lang="ko-KR" altLang="en-US" smtClean="0"/>
-              <a:t>5</a:t>
+              <a:t>8</a:t>
             </a:fld>
             <a:endParaRPr lang="ko-KR" altLang="en-US"/>
           </a:p>
@@ -3516,6 +3522,68 @@
           <a:chExt cx="0" cy="0"/>
         </a:xfrm>
       </p:grpSpPr>
+      <p:sp>
+        <p:nvSpPr>
+          <p:cNvPr id="2" name="제목 1"/>
+          <p:cNvSpPr>
+            <a:spLocks noGrp="1"/>
+          </p:cNvSpPr>
+          <p:nvPr>
+            <p:ph type="title"/>
+          </p:nvPr>
+        </p:nvSpPr>
+        <p:spPr>
+          <a:xfrm>
+            <a:off x="3187700" y="2435225"/>
+            <a:ext cx="5842000" cy="1325563"/>
+          </a:xfrm>
+        </p:spPr>
+        <p:txBody>
+          <a:bodyPr/>
+          <a:lstStyle/>
+          <a:p>
+            <a:r>
+              <a:rPr lang="ko-KR" altLang="en-US" dirty="0" err="1" smtClean="0"/>
+              <a:t>유스케이스</a:t>
+            </a:r>
+            <a:r>
+              <a:rPr lang="ko-KR" altLang="en-US" dirty="0" smtClean="0"/>
+              <a:t> 구성요소</a:t>
+            </a:r>
+            <a:endParaRPr lang="ko-KR" altLang="en-US" dirty="0"/>
+          </a:p>
+        </p:txBody>
+      </p:sp>
+    </p:spTree>
+    <p:extLst>
+      <p:ext uri="{BB962C8B-B14F-4D97-AF65-F5344CB8AC3E}">
+        <p14:creationId xmlns:p14="http://schemas.microsoft.com/office/powerpoint/2010/main" val="1895426710"/>
+      </p:ext>
+    </p:extLst>
+  </p:cSld>
+  <p:clrMapOvr>
+    <a:masterClrMapping/>
+  </p:clrMapOvr>
+</p:sld>
+</file>
+
+<file path=ppt/slides/slide2.xml><?xml version="1.0" encoding="utf-8"?>
+<p:sld xmlns:a="http://schemas.openxmlformats.org/drawingml/2006/main" xmlns:r="http://schemas.openxmlformats.org/officeDocument/2006/relationships" xmlns:p="http://schemas.openxmlformats.org/presentationml/2006/main">
+  <p:cSld>
+    <p:spTree>
+      <p:nvGrpSpPr>
+        <p:cNvPr id="1" name=""/>
+        <p:cNvGrpSpPr/>
+        <p:nvPr/>
+      </p:nvGrpSpPr>
+      <p:grpSpPr>
+        <a:xfrm>
+          <a:off x="0" y="0"/>
+          <a:ext cx="0" cy="0"/>
+          <a:chOff x="0" y="0"/>
+          <a:chExt cx="0" cy="0"/>
+        </a:xfrm>
+      </p:grpSpPr>
       <p:graphicFrame>
         <p:nvGraphicFramePr>
           <p:cNvPr id="4" name="표 3"/>
@@ -3525,14 +3593,14 @@
           <p:nvPr>
             <p:extLst>
               <p:ext uri="{D42A27DB-BD31-4B8C-83A1-F6EECF244321}">
-                <p14:modId xmlns:p14="http://schemas.microsoft.com/office/powerpoint/2010/main" val="3616374836"/>
+                <p14:modId xmlns:p14="http://schemas.microsoft.com/office/powerpoint/2010/main" val="1734869369"/>
               </p:ext>
             </p:extLst>
           </p:nvPr>
         </p:nvGraphicFramePr>
         <p:xfrm>
-          <a:off x="1390981" y="1790700"/>
-          <a:ext cx="1955799" cy="1562050"/>
+          <a:off x="1390981" y="840508"/>
+          <a:ext cx="1955799" cy="1174680"/>
         </p:xfrm>
         <a:graphic>
           <a:graphicData uri="http://schemas.openxmlformats.org/drawingml/2006/table">
@@ -3594,52 +3662,27 @@
                   <a:tcPr/>
                 </a:tc>
               </a:tr>
-              <a:tr h="387370">
-                <a:tc>
-                  <a:txBody>
-                    <a:bodyPr/>
-                    <a:lstStyle/>
-                    <a:p>
-                      <a:pPr algn="ctr" latinLnBrk="1"/>
-                      <a:r>
-                        <a:rPr lang="en-US" altLang="ko-KR" dirty="0" smtClean="0"/>
-                        <a:t>DB</a:t>
-                      </a:r>
-                      <a:r>
-                        <a:rPr lang="en-US" altLang="ko-KR" baseline="0" dirty="0" smtClean="0"/>
-                        <a:t> </a:t>
-                      </a:r>
-                      <a:r>
-                        <a:rPr lang="ko-KR" altLang="en-US" baseline="0" dirty="0" smtClean="0"/>
-                        <a:t>서버</a:t>
-                      </a:r>
-                      <a:endParaRPr lang="ko-KR" altLang="en-US" dirty="0"/>
-                    </a:p>
-                  </a:txBody>
-                  <a:tcPr/>
-                </a:tc>
-              </a:tr>
             </a:tbl>
           </a:graphicData>
         </a:graphic>
       </p:graphicFrame>
       <p:graphicFrame>
         <p:nvGraphicFramePr>
-          <p:cNvPr id="5" name="표 4"/>
+          <p:cNvPr id="6" name="표 5"/>
           <p:cNvGraphicFramePr>
             <a:graphicFrameLocks noGrp="1"/>
           </p:cNvGraphicFramePr>
           <p:nvPr>
             <p:extLst>
               <p:ext uri="{D42A27DB-BD31-4B8C-83A1-F6EECF244321}">
-                <p14:modId xmlns:p14="http://schemas.microsoft.com/office/powerpoint/2010/main" val="2469062993"/>
+                <p14:modId xmlns:p14="http://schemas.microsoft.com/office/powerpoint/2010/main" val="3317377297"/>
               </p:ext>
             </p:extLst>
           </p:nvPr>
         </p:nvGraphicFramePr>
         <p:xfrm>
-          <a:off x="5421681" y="417656"/>
-          <a:ext cx="3263900" cy="6118001"/>
+          <a:off x="5296863" y="840508"/>
+          <a:ext cx="3263900" cy="5595070"/>
         </p:xfrm>
         <a:graphic>
           <a:graphicData uri="http://schemas.openxmlformats.org/drawingml/2006/table">
@@ -3710,7 +3753,7 @@
                       <a:pPr algn="ctr" latinLnBrk="1"/>
                       <a:r>
                         <a:rPr lang="ko-KR" altLang="en-US" dirty="0" smtClean="0"/>
-                        <a:t>공유게시판 등록</a:t>
+                        <a:t>로그인</a:t>
                       </a:r>
                       <a:endParaRPr lang="ko-KR" altLang="en-US" dirty="0"/>
                     </a:p>
@@ -3744,7 +3787,28 @@
                       <a:pPr algn="ctr" latinLnBrk="1"/>
                       <a:r>
                         <a:rPr lang="ko-KR" altLang="en-US" dirty="0" smtClean="0"/>
-                        <a:t>저장된 게시판</a:t>
+                        <a:t>저장된 게시판 확인</a:t>
+                      </a:r>
+                      <a:endParaRPr lang="ko-KR" altLang="en-US" dirty="0"/>
+                    </a:p>
+                  </a:txBody>
+                  <a:tcPr/>
+                </a:tc>
+              </a:tr>
+              <a:tr h="522931">
+                <a:tc>
+                  <a:txBody>
+                    <a:bodyPr/>
+                    <a:lstStyle/>
+                    <a:p>
+                      <a:pPr algn="ctr" latinLnBrk="1"/>
+                      <a:r>
+                        <a:rPr lang="ko-KR" altLang="en-US" dirty="0" err="1" smtClean="0"/>
+                        <a:t>태그별</a:t>
+                      </a:r>
+                      <a:r>
+                        <a:rPr lang="ko-KR" altLang="en-US" dirty="0" smtClean="0"/>
+                        <a:t> 게시판 검색</a:t>
                       </a:r>
                       <a:endParaRPr lang="ko-KR" altLang="en-US" dirty="0"/>
                     </a:p>
@@ -3761,7 +3825,7 @@
                       <a:pPr algn="ctr" latinLnBrk="1"/>
                       <a:r>
                         <a:rPr lang="ko-KR" altLang="en-US" dirty="0" smtClean="0"/>
-                        <a:t>태그</a:t>
+                        <a:t>공유게시판 등록</a:t>
                       </a:r>
                       <a:endParaRPr lang="ko-KR" altLang="en-US" dirty="0"/>
                     </a:p>
@@ -3778,7 +3842,7 @@
                       <a:pPr algn="ctr" latinLnBrk="1"/>
                       <a:r>
                         <a:rPr lang="ko-KR" altLang="en-US" dirty="0" smtClean="0"/>
-                        <a:t>파일첨부</a:t>
+                        <a:t>공유게시판 저장</a:t>
                       </a:r>
                       <a:endParaRPr lang="ko-KR" altLang="en-US" dirty="0"/>
                     </a:p>
@@ -3795,24 +3859,7 @@
                       <a:pPr algn="ctr" latinLnBrk="1"/>
                       <a:r>
                         <a:rPr lang="ko-KR" altLang="en-US" dirty="0" smtClean="0"/>
-                        <a:t>공개여부</a:t>
-                      </a:r>
-                      <a:endParaRPr lang="ko-KR" altLang="en-US" dirty="0"/>
-                    </a:p>
-                  </a:txBody>
-                  <a:tcPr/>
-                </a:tc>
-              </a:tr>
-              <a:tr h="522931">
-                <a:tc>
-                  <a:txBody>
-                    <a:bodyPr/>
-                    <a:lstStyle/>
-                    <a:p>
-                      <a:pPr algn="ctr" latinLnBrk="1"/>
-                      <a:r>
-                        <a:rPr lang="ko-KR" altLang="en-US" dirty="0" smtClean="0"/>
-                        <a:t>로그인</a:t>
+                        <a:t>내 게시판에 저장</a:t>
                       </a:r>
                       <a:endParaRPr lang="ko-KR" altLang="en-US" dirty="0"/>
                     </a:p>
@@ -3837,19 +3884,6 @@
                   <a:tcPr/>
                 </a:tc>
               </a:tr>
-              <a:tr h="522931">
-                <a:tc>
-                  <a:txBody>
-                    <a:bodyPr/>
-                    <a:lstStyle/>
-                    <a:p>
-                      <a:pPr algn="ctr" latinLnBrk="1"/>
-                      <a:endParaRPr lang="ko-KR" altLang="en-US" dirty="0"/>
-                    </a:p>
-                  </a:txBody>
-                  <a:tcPr/>
-                </a:tc>
-              </a:tr>
             </a:tbl>
           </a:graphicData>
         </a:graphic>
@@ -3867,7 +3901,7 @@
 </p:sld>
 </file>
 
-<file path=ppt/slides/slide2.xml><?xml version="1.0" encoding="utf-8"?>
+<file path=ppt/slides/slide3.xml><?xml version="1.0" encoding="utf-8"?>
 <p:sld xmlns:a="http://schemas.openxmlformats.org/drawingml/2006/main" xmlns:r="http://schemas.openxmlformats.org/officeDocument/2006/relationships" xmlns:p="http://schemas.openxmlformats.org/presentationml/2006/main">
   <p:cSld>
     <p:spTree>
@@ -3886,6 +3920,68 @@
       </p:grpSpPr>
       <p:sp>
         <p:nvSpPr>
+          <p:cNvPr id="2" name="제목 1"/>
+          <p:cNvSpPr>
+            <a:spLocks noGrp="1"/>
+          </p:cNvSpPr>
+          <p:nvPr>
+            <p:ph type="title"/>
+          </p:nvPr>
+        </p:nvSpPr>
+        <p:spPr>
+          <a:xfrm>
+            <a:off x="3187700" y="2435225"/>
+            <a:ext cx="6692900" cy="1325563"/>
+          </a:xfrm>
+        </p:spPr>
+        <p:txBody>
+          <a:bodyPr/>
+          <a:lstStyle/>
+          <a:p>
+            <a:r>
+              <a:rPr lang="ko-KR" altLang="en-US" err="1" smtClean="0"/>
+              <a:t>유스케이스</a:t>
+            </a:r>
+            <a:r>
+              <a:rPr lang="ko-KR" altLang="en-US" dirty="0" smtClean="0"/>
+              <a:t> 다이어그램</a:t>
+            </a:r>
+            <a:endParaRPr lang="ko-KR" altLang="en-US" dirty="0"/>
+          </a:p>
+        </p:txBody>
+      </p:sp>
+    </p:spTree>
+    <p:extLst>
+      <p:ext uri="{BB962C8B-B14F-4D97-AF65-F5344CB8AC3E}">
+        <p14:creationId xmlns:p14="http://schemas.microsoft.com/office/powerpoint/2010/main" val="1078452427"/>
+      </p:ext>
+    </p:extLst>
+  </p:cSld>
+  <p:clrMapOvr>
+    <a:masterClrMapping/>
+  </p:clrMapOvr>
+</p:sld>
+</file>
+
+<file path=ppt/slides/slide4.xml><?xml version="1.0" encoding="utf-8"?>
+<p:sld xmlns:a="http://schemas.openxmlformats.org/drawingml/2006/main" xmlns:r="http://schemas.openxmlformats.org/officeDocument/2006/relationships" xmlns:p="http://schemas.openxmlformats.org/presentationml/2006/main">
+  <p:cSld>
+    <p:spTree>
+      <p:nvGrpSpPr>
+        <p:cNvPr id="1" name=""/>
+        <p:cNvGrpSpPr/>
+        <p:nvPr/>
+      </p:nvGrpSpPr>
+      <p:grpSpPr>
+        <a:xfrm>
+          <a:off x="0" y="0"/>
+          <a:ext cx="0" cy="0"/>
+          <a:chOff x="0" y="0"/>
+          <a:chExt cx="0" cy="0"/>
+        </a:xfrm>
+      </p:grpSpPr>
+      <p:sp>
+        <p:nvSpPr>
           <p:cNvPr id="4" name="타원 3"/>
           <p:cNvSpPr/>
           <p:nvPr/>
@@ -4048,13 +4144,13 @@
       </p:cxnSp>
       <p:grpSp>
         <p:nvGrpSpPr>
-          <p:cNvPr id="21" name="그룹 20"/>
+          <p:cNvPr id="46" name="그룹 45"/>
           <p:cNvGrpSpPr/>
           <p:nvPr/>
         </p:nvGrpSpPr>
         <p:grpSpPr>
           <a:xfrm>
-            <a:off x="318889" y="1966381"/>
+            <a:off x="284995" y="2568546"/>
             <a:ext cx="1143000" cy="1262818"/>
             <a:chOff x="1310114" y="1620597"/>
             <a:chExt cx="1143000" cy="1262818"/>
@@ -4062,7 +4158,7 @@
         </p:grpSpPr>
         <p:sp>
           <p:nvSpPr>
-            <p:cNvPr id="14" name="TextBox 13"/>
+            <p:cNvPr id="48" name="TextBox 47"/>
             <p:cNvSpPr txBox="1"/>
             <p:nvPr/>
           </p:nvSpPr>
@@ -4093,7 +4189,7 @@
         </p:sp>
         <p:pic>
           <p:nvPicPr>
-            <p:cNvPr id="20" name="그림 19"/>
+            <p:cNvPr id="49" name="그림 48"/>
             <p:cNvPicPr>
               <a:picLocks noChangeAspect="1"/>
             </p:cNvPicPr>
@@ -4118,13 +4214,13 @@
       </p:grpSp>
       <p:grpSp>
         <p:nvGrpSpPr>
-          <p:cNvPr id="22" name="그룹 21"/>
+          <p:cNvPr id="50" name="그룹 49"/>
           <p:cNvGrpSpPr/>
           <p:nvPr/>
         </p:nvGrpSpPr>
         <p:grpSpPr>
           <a:xfrm>
-            <a:off x="9056336" y="1597279"/>
+            <a:off x="10807672" y="4094575"/>
             <a:ext cx="1143000" cy="1262818"/>
             <a:chOff x="1310114" y="1620597"/>
             <a:chExt cx="1143000" cy="1262818"/>
@@ -4132,7 +4228,7 @@
         </p:grpSpPr>
         <p:sp>
           <p:nvSpPr>
-            <p:cNvPr id="23" name="TextBox 22"/>
+            <p:cNvPr id="51" name="TextBox 50"/>
             <p:cNvSpPr txBox="1"/>
             <p:nvPr/>
           </p:nvSpPr>
@@ -4163,7 +4259,7 @@
         </p:sp>
         <p:pic>
           <p:nvPicPr>
-            <p:cNvPr id="24" name="그림 23"/>
+            <p:cNvPr id="52" name="그림 51"/>
             <p:cNvPicPr>
               <a:picLocks noChangeAspect="1"/>
             </p:cNvPicPr>
@@ -4188,28 +4284,28 @@
       </p:grpSp>
       <p:grpSp>
         <p:nvGrpSpPr>
-          <p:cNvPr id="41" name="그룹 40"/>
+          <p:cNvPr id="2" name="그룹 1"/>
           <p:cNvGrpSpPr/>
           <p:nvPr/>
         </p:nvGrpSpPr>
         <p:grpSpPr>
           <a:xfrm>
-            <a:off x="1914042" y="89210"/>
-            <a:ext cx="6982308" cy="6568067"/>
-            <a:chOff x="1914042" y="815897"/>
-            <a:chExt cx="5592337" cy="4906536"/>
+            <a:off x="1668809" y="680851"/>
+            <a:ext cx="8830236" cy="5028573"/>
+            <a:chOff x="1577788" y="89210"/>
+            <a:chExt cx="8830236" cy="6568067"/>
           </a:xfrm>
         </p:grpSpPr>
         <p:sp>
           <p:nvSpPr>
-            <p:cNvPr id="42" name="직사각형 41"/>
+            <p:cNvPr id="53" name="직사각형 52"/>
             <p:cNvSpPr/>
             <p:nvPr/>
           </p:nvSpPr>
           <p:spPr>
             <a:xfrm>
-              <a:off x="1914042" y="815897"/>
-              <a:ext cx="5592337" cy="4906536"/>
+              <a:off x="1577788" y="89210"/>
+              <a:ext cx="8830236" cy="6568067"/>
             </a:xfrm>
             <a:prstGeom prst="rect">
               <a:avLst/>
@@ -4248,14 +4344,14 @@
         </p:sp>
         <p:sp>
           <p:nvSpPr>
-            <p:cNvPr id="43" name="TextBox 42"/>
+            <p:cNvPr id="54" name="TextBox 53"/>
             <p:cNvSpPr txBox="1"/>
             <p:nvPr/>
           </p:nvSpPr>
           <p:spPr>
             <a:xfrm>
-              <a:off x="2530146" y="853867"/>
-              <a:ext cx="4360128" cy="369332"/>
+              <a:off x="3270989" y="140038"/>
+              <a:ext cx="5443834" cy="494401"/>
             </a:xfrm>
             <a:prstGeom prst="rect">
               <a:avLst/>
@@ -4288,14 +4384,14 @@
       </p:grpSp>
       <p:sp>
         <p:nvSpPr>
-          <p:cNvPr id="44" name="타원 43"/>
+          <p:cNvPr id="55" name="타원 54"/>
           <p:cNvSpPr/>
           <p:nvPr/>
         </p:nvSpPr>
         <p:spPr>
           <a:xfrm>
-            <a:off x="6300052" y="541385"/>
-            <a:ext cx="1784194" cy="508086"/>
+            <a:off x="4406795" y="1160606"/>
+            <a:ext cx="1444210" cy="508086"/>
           </a:xfrm>
           <a:prstGeom prst="ellipse">
             <a:avLst/>
@@ -4331,31 +4427,26 @@
           <a:p>
             <a:pPr algn="ctr"/>
             <a:r>
-              <a:rPr lang="ko-KR" altLang="en-US" sz="1400" dirty="0" smtClean="0">
+              <a:rPr lang="ko-KR" altLang="en-US" sz="1400" dirty="0">
                 <a:solidFill>
                   <a:schemeClr val="tx1"/>
                 </a:solidFill>
               </a:rPr>
-              <a:t>회원가입</a:t>
-            </a:r>
-            <a:endParaRPr lang="ko-KR" altLang="en-US" sz="1400" dirty="0">
-              <a:solidFill>
-                <a:schemeClr val="tx1"/>
-              </a:solidFill>
-            </a:endParaRPr>
-          </a:p>
-        </p:txBody>
-      </p:sp>
-      <p:sp>
-        <p:nvSpPr>
-          <p:cNvPr id="45" name="타원 44"/>
+              <a:t>사용자 정보 입력</a:t>
+            </a:r>
+          </a:p>
+        </p:txBody>
+      </p:sp>
+      <p:sp>
+        <p:nvSpPr>
+          <p:cNvPr id="56" name="타원 55"/>
           <p:cNvSpPr/>
           <p:nvPr/>
         </p:nvSpPr>
         <p:spPr>
           <a:xfrm>
-            <a:off x="6300052" y="1334410"/>
-            <a:ext cx="1784194" cy="508086"/>
+            <a:off x="8577532" y="3937555"/>
+            <a:ext cx="1584818" cy="508086"/>
           </a:xfrm>
           <a:prstGeom prst="ellipse">
             <a:avLst/>
@@ -4408,14 +4499,14 @@
       </p:sp>
       <p:sp>
         <p:nvSpPr>
-          <p:cNvPr id="47" name="타원 46"/>
+          <p:cNvPr id="57" name="타원 56"/>
           <p:cNvSpPr/>
           <p:nvPr/>
         </p:nvSpPr>
         <p:spPr>
           <a:xfrm>
-            <a:off x="2683278" y="2826637"/>
-            <a:ext cx="1784194" cy="508086"/>
+            <a:off x="2241789" y="4632842"/>
+            <a:ext cx="1619012" cy="508086"/>
           </a:xfrm>
           <a:prstGeom prst="ellipse">
             <a:avLst/>
@@ -4468,17 +4559,17 @@
       </p:sp>
       <p:cxnSp>
         <p:nvCxnSpPr>
-          <p:cNvPr id="58" name="직선 연결선 57"/>
+          <p:cNvPr id="63" name="직선 연결선 62"/>
           <p:cNvCxnSpPr>
-            <a:stCxn id="20" idx="3"/>
-            <a:endCxn id="104" idx="2"/>
+            <a:stCxn id="49" idx="3"/>
+            <a:endCxn id="75" idx="2"/>
           </p:cNvCxnSpPr>
           <p:nvPr/>
         </p:nvCxnSpPr>
         <p:spPr>
           <a:xfrm flipV="1">
-            <a:off x="1066175" y="802919"/>
-            <a:ext cx="2193421" cy="1541667"/>
+            <a:off x="1032281" y="1405084"/>
+            <a:ext cx="1209508" cy="1541667"/>
           </a:xfrm>
           <a:prstGeom prst="line">
             <a:avLst/>
@@ -4504,19 +4595,110 @@
           </a:fontRef>
         </p:style>
       </p:cxnSp>
+      <p:sp>
+        <p:nvSpPr>
+          <p:cNvPr id="65" name="타원 64"/>
+          <p:cNvSpPr/>
+          <p:nvPr/>
+        </p:nvSpPr>
+        <p:spPr>
+          <a:xfrm>
+            <a:off x="8556100" y="4848557"/>
+            <a:ext cx="1627683" cy="508086"/>
+          </a:xfrm>
+          <a:prstGeom prst="ellipse">
+            <a:avLst/>
+          </a:prstGeom>
+          <a:solidFill>
+            <a:schemeClr val="bg1"/>
+          </a:solidFill>
+          <a:ln w="28575">
+            <a:solidFill>
+              <a:schemeClr val="tx1"/>
+            </a:solidFill>
+          </a:ln>
+        </p:spPr>
+        <p:style>
+          <a:lnRef idx="2">
+            <a:schemeClr val="accent1">
+              <a:shade val="50000"/>
+            </a:schemeClr>
+          </a:lnRef>
+          <a:fillRef idx="1">
+            <a:schemeClr val="accent1"/>
+          </a:fillRef>
+          <a:effectRef idx="0">
+            <a:schemeClr val="accent1"/>
+          </a:effectRef>
+          <a:fontRef idx="minor">
+            <a:schemeClr val="lt1"/>
+          </a:fontRef>
+        </p:style>
+        <p:txBody>
+          <a:bodyPr rtlCol="0" anchor="ctr"/>
+          <a:lstStyle/>
+          <a:p>
+            <a:pPr algn="ctr"/>
+            <a:r>
+              <a:rPr lang="ko-KR" altLang="en-US" sz="1400" dirty="0" smtClean="0">
+                <a:solidFill>
+                  <a:schemeClr val="tx1"/>
+                </a:solidFill>
+              </a:rPr>
+              <a:t>저장된</a:t>
+            </a:r>
+            <a:r>
+              <a:rPr lang="en-US" altLang="ko-KR" sz="1400" dirty="0" smtClean="0">
+                <a:solidFill>
+                  <a:schemeClr val="tx1"/>
+                </a:solidFill>
+              </a:rPr>
+              <a:t/>
+            </a:r>
+            <a:br>
+              <a:rPr lang="en-US" altLang="ko-KR" sz="1400" dirty="0" smtClean="0">
+                <a:solidFill>
+                  <a:schemeClr val="tx1"/>
+                </a:solidFill>
+              </a:rPr>
+            </a:br>
+            <a:r>
+              <a:rPr lang="ko-KR" altLang="en-US" sz="1400" dirty="0" smtClean="0">
+                <a:solidFill>
+                  <a:schemeClr val="tx1"/>
+                </a:solidFill>
+              </a:rPr>
+              <a:t>게시판 확</a:t>
+            </a:r>
+            <a:r>
+              <a:rPr lang="ko-KR" altLang="en-US" sz="1400" dirty="0">
+                <a:solidFill>
+                  <a:schemeClr val="tx1"/>
+                </a:solidFill>
+              </a:rPr>
+              <a:t>인</a:t>
+            </a:r>
+            <a:endParaRPr lang="en-US" altLang="ko-KR" sz="1400" dirty="0" smtClean="0">
+              <a:solidFill>
+                <a:schemeClr val="tx1"/>
+              </a:solidFill>
+            </a:endParaRPr>
+          </a:p>
+        </p:txBody>
+      </p:sp>
       <p:cxnSp>
         <p:nvCxnSpPr>
-          <p:cNvPr id="64" name="직선 연결선 63"/>
+          <p:cNvPr id="67" name="직선 연결선 66"/>
           <p:cNvCxnSpPr>
-            <a:stCxn id="24" idx="1"/>
-            <a:endCxn id="44" idx="6"/>
+            <a:stCxn id="49" idx="3"/>
+            <a:endCxn id="57" idx="2"/>
           </p:cNvCxnSpPr>
           <p:nvPr/>
         </p:nvCxnSpPr>
         <p:spPr>
-          <a:xfrm flipH="1" flipV="1">
-            <a:off x="8084246" y="795428"/>
-            <a:ext cx="1367805" cy="1180056"/>
+          <a:xfrm>
+            <a:off x="1032281" y="2946751"/>
+            <a:ext cx="1209508" cy="1940134"/>
           </a:xfrm>
           <a:prstGeom prst="line">
             <a:avLst/>
@@ -4542,19 +4724,360 @@
           </a:fontRef>
         </p:style>
       </p:cxnSp>
+      <p:sp>
+        <p:nvSpPr>
+          <p:cNvPr id="68" name="타원 67"/>
+          <p:cNvSpPr/>
+          <p:nvPr/>
+        </p:nvSpPr>
+        <p:spPr>
+          <a:xfrm>
+            <a:off x="2241789" y="2941305"/>
+            <a:ext cx="1636356" cy="508086"/>
+          </a:xfrm>
+          <a:prstGeom prst="ellipse">
+            <a:avLst/>
+          </a:prstGeom>
+          <a:solidFill>
+            <a:schemeClr val="bg1"/>
+          </a:solidFill>
+          <a:ln w="28575">
+            <a:solidFill>
+              <a:schemeClr val="tx1"/>
+            </a:solidFill>
+          </a:ln>
+        </p:spPr>
+        <p:style>
+          <a:lnRef idx="2">
+            <a:schemeClr val="accent1">
+              <a:shade val="50000"/>
+            </a:schemeClr>
+          </a:lnRef>
+          <a:fillRef idx="1">
+            <a:schemeClr val="accent1"/>
+          </a:fillRef>
+          <a:effectRef idx="0">
+            <a:schemeClr val="accent1"/>
+          </a:effectRef>
+          <a:fontRef idx="minor">
+            <a:schemeClr val="lt1"/>
+          </a:fontRef>
+        </p:style>
+        <p:txBody>
+          <a:bodyPr rtlCol="0" anchor="ctr"/>
+          <a:lstStyle/>
+          <a:p>
+            <a:pPr algn="ctr"/>
+            <a:r>
+              <a:rPr lang="ko-KR" altLang="en-US" sz="1400" dirty="0" err="1" smtClean="0">
+                <a:solidFill>
+                  <a:schemeClr val="tx1"/>
+                </a:solidFill>
+              </a:rPr>
+              <a:t>태그별</a:t>
+            </a:r>
+            <a:r>
+              <a:rPr lang="ko-KR" altLang="en-US" sz="1400" dirty="0" smtClean="0">
+                <a:solidFill>
+                  <a:schemeClr val="tx1"/>
+                </a:solidFill>
+              </a:rPr>
+              <a:t> </a:t>
+            </a:r>
+            <a:r>
+              <a:rPr lang="en-US" altLang="ko-KR" sz="1400" dirty="0" smtClean="0">
+                <a:solidFill>
+                  <a:schemeClr val="tx1"/>
+                </a:solidFill>
+              </a:rPr>
+              <a:t/>
+            </a:r>
+            <a:br>
+              <a:rPr lang="en-US" altLang="ko-KR" sz="1400" dirty="0" smtClean="0">
+                <a:solidFill>
+                  <a:schemeClr val="tx1"/>
+                </a:solidFill>
+              </a:rPr>
+            </a:br>
+            <a:r>
+              <a:rPr lang="ko-KR" altLang="en-US" sz="1400" dirty="0" smtClean="0">
+                <a:solidFill>
+                  <a:schemeClr val="tx1"/>
+                </a:solidFill>
+              </a:rPr>
+              <a:t>게시판 검색</a:t>
+            </a:r>
+            <a:endParaRPr lang="ko-KR" altLang="en-US" sz="1400" dirty="0">
+              <a:solidFill>
+                <a:schemeClr val="tx1"/>
+              </a:solidFill>
+            </a:endParaRPr>
+          </a:p>
+        </p:txBody>
+      </p:sp>
       <p:cxnSp>
         <p:nvCxnSpPr>
-          <p:cNvPr id="72" name="직선 연결선 71"/>
+          <p:cNvPr id="69" name="직선 연결선 68"/>
           <p:cNvCxnSpPr>
-            <a:stCxn id="60" idx="2"/>
-            <a:endCxn id="59" idx="6"/>
+            <a:stCxn id="49" idx="3"/>
+            <a:endCxn id="68" idx="2"/>
           </p:cNvCxnSpPr>
           <p:nvPr/>
         </p:nvCxnSpPr>
         <p:spPr>
+          <a:xfrm>
+            <a:off x="1032281" y="2946751"/>
+            <a:ext cx="1209508" cy="248597"/>
+          </a:xfrm>
+          <a:prstGeom prst="line">
+            <a:avLst/>
+          </a:prstGeom>
+          <a:ln w="28575">
+            <a:solidFill>
+              <a:schemeClr val="tx1"/>
+            </a:solidFill>
+          </a:ln>
+        </p:spPr>
+        <p:style>
+          <a:lnRef idx="1">
+            <a:schemeClr val="accent1"/>
+          </a:lnRef>
+          <a:fillRef idx="0">
+            <a:schemeClr val="accent1"/>
+          </a:fillRef>
+          <a:effectRef idx="0">
+            <a:schemeClr val="accent1"/>
+          </a:effectRef>
+          <a:fontRef idx="minor">
+            <a:schemeClr val="tx1"/>
+          </a:fontRef>
+        </p:style>
+      </p:cxnSp>
+      <p:cxnSp>
+        <p:nvCxnSpPr>
+          <p:cNvPr id="70" name="직선 연결선 69"/>
+          <p:cNvCxnSpPr>
+            <a:stCxn id="52" idx="1"/>
+            <a:endCxn id="56" idx="6"/>
+          </p:cNvCxnSpPr>
+          <p:nvPr/>
+        </p:nvCxnSpPr>
+        <p:spPr>
           <a:xfrm flipH="1" flipV="1">
-            <a:off x="4749128" y="2314974"/>
-            <a:ext cx="1593790" cy="614500"/>
+            <a:off x="10162350" y="4191598"/>
+            <a:ext cx="1041037" cy="281182"/>
+          </a:xfrm>
+          <a:prstGeom prst="line">
+            <a:avLst/>
+          </a:prstGeom>
+          <a:ln w="28575">
+            <a:solidFill>
+              <a:schemeClr val="tx1"/>
+            </a:solidFill>
+          </a:ln>
+        </p:spPr>
+        <p:style>
+          <a:lnRef idx="1">
+            <a:schemeClr val="accent1"/>
+          </a:lnRef>
+          <a:fillRef idx="0">
+            <a:schemeClr val="accent1"/>
+          </a:fillRef>
+          <a:effectRef idx="0">
+            <a:schemeClr val="accent1"/>
+          </a:effectRef>
+          <a:fontRef idx="minor">
+            <a:schemeClr val="tx1"/>
+          </a:fontRef>
+        </p:style>
+      </p:cxnSp>
+      <p:sp>
+        <p:nvSpPr>
+          <p:cNvPr id="73" name="타원 72"/>
+          <p:cNvSpPr/>
+          <p:nvPr/>
+        </p:nvSpPr>
+        <p:spPr>
+          <a:xfrm>
+            <a:off x="5731727" y="2624481"/>
+            <a:ext cx="1444210" cy="508086"/>
+          </a:xfrm>
+          <a:prstGeom prst="ellipse">
+            <a:avLst/>
+          </a:prstGeom>
+          <a:solidFill>
+            <a:schemeClr val="bg1"/>
+          </a:solidFill>
+          <a:ln w="28575">
+            <a:solidFill>
+              <a:schemeClr val="tx1"/>
+            </a:solidFill>
+          </a:ln>
+        </p:spPr>
+        <p:style>
+          <a:lnRef idx="2">
+            <a:schemeClr val="accent1">
+              <a:shade val="50000"/>
+            </a:schemeClr>
+          </a:lnRef>
+          <a:fillRef idx="1">
+            <a:schemeClr val="accent1"/>
+          </a:fillRef>
+          <a:effectRef idx="0">
+            <a:schemeClr val="accent1"/>
+          </a:effectRef>
+          <a:fontRef idx="minor">
+            <a:schemeClr val="lt1"/>
+          </a:fontRef>
+        </p:style>
+        <p:txBody>
+          <a:bodyPr rtlCol="0" anchor="ctr"/>
+          <a:lstStyle/>
+          <a:p>
+            <a:pPr algn="ctr"/>
+            <a:r>
+              <a:rPr lang="ko-KR" altLang="en-US" sz="1400" dirty="0" smtClean="0">
+                <a:solidFill>
+                  <a:schemeClr val="tx1"/>
+                </a:solidFill>
+              </a:rPr>
+              <a:t>게시판 </a:t>
+            </a:r>
+            <a:endParaRPr lang="en-US" altLang="ko-KR" sz="1400" dirty="0" smtClean="0">
+              <a:solidFill>
+                <a:schemeClr val="tx1"/>
+              </a:solidFill>
+            </a:endParaRPr>
+          </a:p>
+          <a:p>
+            <a:pPr algn="ctr"/>
+            <a:r>
+              <a:rPr lang="ko-KR" altLang="en-US" sz="1400" dirty="0" smtClean="0">
+                <a:solidFill>
+                  <a:schemeClr val="tx1"/>
+                </a:solidFill>
+              </a:rPr>
+              <a:t>선택</a:t>
+            </a:r>
+            <a:endParaRPr lang="ko-KR" altLang="en-US" sz="1400" dirty="0">
+              <a:solidFill>
+                <a:schemeClr val="tx1"/>
+              </a:solidFill>
+            </a:endParaRPr>
+          </a:p>
+        </p:txBody>
+      </p:sp>
+      <p:cxnSp>
+        <p:nvCxnSpPr>
+          <p:cNvPr id="74" name="직선 연결선 73"/>
+          <p:cNvCxnSpPr>
+            <a:stCxn id="52" idx="1"/>
+            <a:endCxn id="65" idx="6"/>
+          </p:cNvCxnSpPr>
+          <p:nvPr/>
+        </p:nvCxnSpPr>
+        <p:spPr>
+          <a:xfrm flipH="1">
+            <a:off x="10183783" y="4472780"/>
+            <a:ext cx="1019604" cy="629820"/>
+          </a:xfrm>
+          <a:prstGeom prst="line">
+            <a:avLst/>
+          </a:prstGeom>
+          <a:ln w="28575">
+            <a:solidFill>
+              <a:schemeClr val="tx1"/>
+            </a:solidFill>
+          </a:ln>
+        </p:spPr>
+        <p:style>
+          <a:lnRef idx="1">
+            <a:schemeClr val="accent1"/>
+          </a:lnRef>
+          <a:fillRef idx="0">
+            <a:schemeClr val="accent1"/>
+          </a:fillRef>
+          <a:effectRef idx="0">
+            <a:schemeClr val="accent1"/>
+          </a:effectRef>
+          <a:fontRef idx="minor">
+            <a:schemeClr val="tx1"/>
+          </a:fontRef>
+        </p:style>
+      </p:cxnSp>
+      <p:sp>
+        <p:nvSpPr>
+          <p:cNvPr id="75" name="타원 74"/>
+          <p:cNvSpPr/>
+          <p:nvPr/>
+        </p:nvSpPr>
+        <p:spPr>
+          <a:xfrm>
+            <a:off x="2241789" y="1151041"/>
+            <a:ext cx="1387813" cy="508086"/>
+          </a:xfrm>
+          <a:prstGeom prst="ellipse">
+            <a:avLst/>
+          </a:prstGeom>
+          <a:solidFill>
+            <a:schemeClr val="bg1"/>
+          </a:solidFill>
+          <a:ln w="28575">
+            <a:solidFill>
+              <a:schemeClr val="tx1"/>
+            </a:solidFill>
+          </a:ln>
+        </p:spPr>
+        <p:style>
+          <a:lnRef idx="2">
+            <a:schemeClr val="accent1">
+              <a:shade val="50000"/>
+            </a:schemeClr>
+          </a:lnRef>
+          <a:fillRef idx="1">
+            <a:schemeClr val="accent1"/>
+          </a:fillRef>
+          <a:effectRef idx="0">
+            <a:schemeClr val="accent1"/>
+          </a:effectRef>
+          <a:fontRef idx="minor">
+            <a:schemeClr val="lt1"/>
+          </a:fontRef>
+        </p:style>
+        <p:txBody>
+          <a:bodyPr rtlCol="0" anchor="ctr"/>
+          <a:lstStyle/>
+          <a:p>
+            <a:pPr algn="ctr"/>
+            <a:r>
+              <a:rPr lang="ko-KR" altLang="en-US" sz="1400" dirty="0" smtClean="0">
+                <a:solidFill>
+                  <a:schemeClr val="tx1"/>
+                </a:solidFill>
+              </a:rPr>
+              <a:t>회원가입</a:t>
+            </a:r>
+            <a:endParaRPr lang="ko-KR" altLang="en-US" sz="1400" dirty="0">
+              <a:solidFill>
+                <a:schemeClr val="tx1"/>
+              </a:solidFill>
+            </a:endParaRPr>
+          </a:p>
+        </p:txBody>
+      </p:sp>
+      <p:cxnSp>
+        <p:nvCxnSpPr>
+          <p:cNvPr id="76" name="직선 연결선 75"/>
+          <p:cNvCxnSpPr>
+            <a:stCxn id="55" idx="2"/>
+            <a:endCxn id="75" idx="6"/>
+          </p:cNvCxnSpPr>
+          <p:nvPr/>
+        </p:nvCxnSpPr>
+        <p:spPr>
+          <a:xfrm flipH="1" flipV="1">
+            <a:off x="3629602" y="1405084"/>
+            <a:ext cx="777193" cy="9565"/>
           </a:xfrm>
           <a:prstGeom prst="line">
             <a:avLst/>
@@ -4585,14 +5108,14 @@
       </p:cxnSp>
       <p:sp>
         <p:nvSpPr>
-          <p:cNvPr id="60" name="타원 59"/>
+          <p:cNvPr id="77" name="타원 76"/>
           <p:cNvSpPr/>
           <p:nvPr/>
         </p:nvSpPr>
         <p:spPr>
           <a:xfrm>
-            <a:off x="6342918" y="2675431"/>
-            <a:ext cx="1784194" cy="508086"/>
+            <a:off x="2241789" y="1749569"/>
+            <a:ext cx="1421674" cy="508086"/>
           </a:xfrm>
           <a:prstGeom prst="ellipse">
             <a:avLst/>
@@ -4628,12 +5151,12 @@
           <a:p>
             <a:pPr algn="ctr"/>
             <a:r>
-              <a:rPr lang="ko-KR" altLang="en-US" sz="1400" dirty="0" err="1" smtClean="0">
+              <a:rPr lang="ko-KR" altLang="en-US" sz="1400" dirty="0" smtClean="0">
                 <a:solidFill>
                   <a:schemeClr val="tx1"/>
                 </a:solidFill>
               </a:rPr>
-              <a:t>저장된게시판</a:t>
+              <a:t>로그인</a:t>
             </a:r>
             <a:endParaRPr lang="ko-KR" altLang="en-US" sz="1400" dirty="0">
               <a:solidFill>
@@ -4645,17 +5168,17 @@
       </p:sp>
       <p:cxnSp>
         <p:nvCxnSpPr>
-          <p:cNvPr id="62" name="직선 연결선 61"/>
+          <p:cNvPr id="79" name="직선 연결선 78"/>
           <p:cNvCxnSpPr>
-            <a:stCxn id="92" idx="1"/>
-            <a:endCxn id="78" idx="6"/>
+            <a:stCxn id="49" idx="3"/>
+            <a:endCxn id="77" idx="2"/>
           </p:cNvCxnSpPr>
           <p:nvPr/>
         </p:nvCxnSpPr>
         <p:spPr>
-          <a:xfrm flipH="1" flipV="1">
-            <a:off x="6438120" y="3725738"/>
-            <a:ext cx="3013931" cy="546719"/>
+          <a:xfrm flipV="1">
+            <a:off x="1032281" y="2003612"/>
+            <a:ext cx="1209508" cy="943139"/>
           </a:xfrm>
           <a:prstGeom prst="line">
             <a:avLst/>
@@ -4683,17 +5206,17 @@
       </p:cxnSp>
       <p:cxnSp>
         <p:nvCxnSpPr>
-          <p:cNvPr id="66" name="직선 연결선 65"/>
+          <p:cNvPr id="81" name="직선 연결선 80"/>
           <p:cNvCxnSpPr>
-            <a:stCxn id="47" idx="4"/>
-            <a:endCxn id="99" idx="7"/>
+            <a:stCxn id="68" idx="6"/>
+            <a:endCxn id="73" idx="2"/>
           </p:cNvCxnSpPr>
           <p:nvPr/>
         </p:nvCxnSpPr>
         <p:spPr>
-          <a:xfrm flipH="1">
-            <a:off x="3506850" y="3334723"/>
-            <a:ext cx="68525" cy="1080421"/>
+          <a:xfrm flipV="1">
+            <a:off x="3878145" y="2878524"/>
+            <a:ext cx="1853582" cy="316824"/>
           </a:xfrm>
           <a:prstGeom prst="line">
             <a:avLst/>
@@ -4722,97 +5245,53 @@
           </a:fontRef>
         </p:style>
       </p:cxnSp>
-      <p:grpSp>
-        <p:nvGrpSpPr>
-          <p:cNvPr id="87" name="그룹 86"/>
-          <p:cNvGrpSpPr/>
+      <p:sp>
+        <p:nvSpPr>
+          <p:cNvPr id="82" name="TextBox 81"/>
+          <p:cNvSpPr txBox="1"/>
           <p:nvPr/>
-        </p:nvGrpSpPr>
-        <p:grpSpPr>
+        </p:nvSpPr>
+        <p:spPr>
           <a:xfrm>
-            <a:off x="9056336" y="3894252"/>
-            <a:ext cx="1143000" cy="1262818"/>
-            <a:chOff x="1310114" y="1620597"/>
-            <a:chExt cx="1143000" cy="1262818"/>
-          </a:xfrm>
-        </p:grpSpPr>
-        <p:sp>
-          <p:nvSpPr>
-            <p:cNvPr id="91" name="TextBox 90"/>
-            <p:cNvSpPr txBox="1"/>
-            <p:nvPr/>
-          </p:nvSpPr>
-          <p:spPr>
-            <a:xfrm>
-              <a:off x="1310114" y="2514083"/>
-              <a:ext cx="1143000" cy="369332"/>
-            </a:xfrm>
-            <a:prstGeom prst="rect">
-              <a:avLst/>
-            </a:prstGeom>
-            <a:noFill/>
-          </p:spPr>
-          <p:txBody>
-            <a:bodyPr wrap="square" rtlCol="0">
-              <a:spAutoFit/>
-            </a:bodyPr>
-            <a:lstStyle/>
-            <a:p>
-              <a:pPr algn="ctr"/>
-              <a:r>
-                <a:rPr lang="en-US" altLang="ko-KR" dirty="0" smtClean="0"/>
-                <a:t>DB </a:t>
-              </a:r>
-              <a:r>
-                <a:rPr lang="ko-KR" altLang="en-US" dirty="0" smtClean="0"/>
-                <a:t>서버</a:t>
-              </a:r>
-              <a:endParaRPr lang="ko-KR" altLang="en-US" dirty="0"/>
-            </a:p>
-          </p:txBody>
-        </p:sp>
-        <p:pic>
-          <p:nvPicPr>
-            <p:cNvPr id="92" name="그림 91"/>
-            <p:cNvPicPr>
-              <a:picLocks noChangeAspect="1"/>
-            </p:cNvPicPr>
-            <p:nvPr/>
-          </p:nvPicPr>
-          <p:blipFill>
-            <a:blip r:embed="rId3"/>
-            <a:stretch>
-              <a:fillRect/>
-            </a:stretch>
-          </p:blipFill>
-          <p:spPr>
-            <a:xfrm>
-              <a:off x="1705829" y="1620597"/>
-              <a:ext cx="351571" cy="756410"/>
-            </a:xfrm>
-            <a:prstGeom prst="rect">
-              <a:avLst/>
-            </a:prstGeom>
-          </p:spPr>
-        </p:pic>
-      </p:grpSp>
-      <p:cxnSp>
-        <p:nvCxnSpPr>
-          <p:cNvPr id="102" name="직선 연결선 101"/>
-          <p:cNvCxnSpPr>
-            <a:stCxn id="20" idx="3"/>
-            <a:endCxn id="47" idx="2"/>
-          </p:cNvCxnSpPr>
-          <p:nvPr/>
-        </p:nvCxnSpPr>
-        <p:spPr>
-          <a:xfrm>
-            <a:off x="1066175" y="2344586"/>
-            <a:ext cx="1617103" cy="736094"/>
-          </a:xfrm>
-          <a:prstGeom prst="line">
+            <a:off x="3613699" y="2146688"/>
+            <a:ext cx="1084271" cy="276999"/>
+          </a:xfrm>
+          <a:prstGeom prst="rect">
             <a:avLst/>
           </a:prstGeom>
+          <a:noFill/>
+        </p:spPr>
+        <p:txBody>
+          <a:bodyPr wrap="none" rtlCol="0">
+            <a:spAutoFit/>
+          </a:bodyPr>
+          <a:lstStyle/>
+          <a:p>
+            <a:r>
+              <a:rPr lang="en-US" altLang="ko-KR" sz="1200" dirty="0" smtClean="0"/>
+              <a:t>&lt;&lt;extend&gt;&gt;</a:t>
+            </a:r>
+            <a:endParaRPr lang="ko-KR" altLang="en-US" sz="1200" dirty="0"/>
+          </a:p>
+        </p:txBody>
+      </p:sp>
+      <p:sp>
+        <p:nvSpPr>
+          <p:cNvPr id="83" name="타원 82"/>
+          <p:cNvSpPr/>
+          <p:nvPr/>
+        </p:nvSpPr>
+        <p:spPr>
+          <a:xfrm>
+            <a:off x="7711244" y="2624481"/>
+            <a:ext cx="1444210" cy="508086"/>
+          </a:xfrm>
+          <a:prstGeom prst="ellipse">
+            <a:avLst/>
+          </a:prstGeom>
+          <a:solidFill>
+            <a:schemeClr val="bg1"/>
+          </a:solidFill>
           <a:ln w="28575">
             <a:solidFill>
               <a:schemeClr val="tx1"/>
@@ -4820,33 +5299,71 @@
           </a:ln>
         </p:spPr>
         <p:style>
-          <a:lnRef idx="1">
-            <a:schemeClr val="accent1"/>
+          <a:lnRef idx="2">
+            <a:schemeClr val="accent1">
+              <a:shade val="50000"/>
+            </a:schemeClr>
           </a:lnRef>
-          <a:fillRef idx="0">
+          <a:fillRef idx="1">
             <a:schemeClr val="accent1"/>
           </a:fillRef>
           <a:effectRef idx="0">
             <a:schemeClr val="accent1"/>
           </a:effectRef>
           <a:fontRef idx="minor">
-            <a:schemeClr val="tx1"/>
+            <a:schemeClr val="lt1"/>
           </a:fontRef>
         </p:style>
-      </p:cxnSp>
+        <p:txBody>
+          <a:bodyPr rtlCol="0" anchor="ctr"/>
+          <a:lstStyle/>
+          <a:p>
+            <a:pPr algn="ctr"/>
+            <a:r>
+              <a:rPr lang="ko-KR" altLang="en-US" sz="1400" dirty="0" smtClean="0">
+                <a:solidFill>
+                  <a:schemeClr val="tx1"/>
+                </a:solidFill>
+              </a:rPr>
+              <a:t>내 게시판에</a:t>
+            </a:r>
+            <a:r>
+              <a:rPr lang="en-US" altLang="ko-KR" sz="1400" dirty="0">
+                <a:solidFill>
+                  <a:schemeClr val="tx1"/>
+                </a:solidFill>
+              </a:rPr>
+              <a:t> </a:t>
+            </a:r>
+            <a:r>
+              <a:rPr lang="ko-KR" altLang="en-US" sz="1400" dirty="0" smtClean="0">
+                <a:solidFill>
+                  <a:schemeClr val="tx1"/>
+                </a:solidFill>
+              </a:rPr>
+              <a:t>저장</a:t>
+            </a:r>
+            <a:endParaRPr lang="en-US" altLang="ko-KR" sz="1400" dirty="0" smtClean="0">
+              <a:solidFill>
+                <a:schemeClr val="tx1"/>
+              </a:solidFill>
+            </a:endParaRPr>
+          </a:p>
+        </p:txBody>
+      </p:sp>
       <p:cxnSp>
         <p:nvCxnSpPr>
-          <p:cNvPr id="128" name="직선 연결선 127"/>
+          <p:cNvPr id="84" name="직선 연결선 83"/>
           <p:cNvCxnSpPr>
-            <a:stCxn id="86" idx="0"/>
-            <a:endCxn id="47" idx="3"/>
+            <a:stCxn id="83" idx="2"/>
+            <a:endCxn id="73" idx="6"/>
           </p:cNvCxnSpPr>
           <p:nvPr/>
         </p:nvCxnSpPr>
         <p:spPr>
-          <a:xfrm flipV="1">
-            <a:off x="2686066" y="3260316"/>
-            <a:ext cx="258501" cy="453031"/>
+          <a:xfrm flipH="1">
+            <a:off x="7175937" y="2878524"/>
+            <a:ext cx="535307" cy="0"/>
           </a:xfrm>
           <a:prstGeom prst="line">
             <a:avLst/>
@@ -4877,14 +5394,14 @@
       </p:cxnSp>
       <p:sp>
         <p:nvSpPr>
-          <p:cNvPr id="59" name="타원 58"/>
+          <p:cNvPr id="85" name="타원 84"/>
           <p:cNvSpPr/>
           <p:nvPr/>
         </p:nvSpPr>
         <p:spPr>
           <a:xfrm>
-            <a:off x="2964934" y="2060931"/>
-            <a:ext cx="1784194" cy="508086"/>
+            <a:off x="4406795" y="4642153"/>
+            <a:ext cx="1444210" cy="508086"/>
           </a:xfrm>
           <a:prstGeom prst="ellipse">
             <a:avLst/>
@@ -4915,7 +5432,7 @@
           </a:fontRef>
         </p:style>
         <p:txBody>
-          <a:bodyPr rtlCol="0" anchor="ctr"/>
+          <a:bodyPr lIns="0" rIns="0" rtlCol="0" anchor="ctr"/>
           <a:lstStyle/>
           <a:p>
             <a:pPr algn="ctr"/>
@@ -4925,29 +5442,129 @@
                   <a:schemeClr val="tx1"/>
                 </a:solidFill>
               </a:rPr>
-              <a:t>게시판선택</a:t>
-            </a:r>
-            <a:endParaRPr lang="ko-KR" altLang="en-US" sz="1400" dirty="0">
+              <a:t>공유 </a:t>
+            </a:r>
+            <a:endParaRPr lang="en-US" altLang="ko-KR" sz="1400" dirty="0" smtClean="0">
               <a:solidFill>
                 <a:schemeClr val="tx1"/>
               </a:solidFill>
             </a:endParaRPr>
           </a:p>
+          <a:p>
+            <a:pPr algn="ctr"/>
+            <a:r>
+              <a:rPr lang="ko-KR" altLang="en-US" sz="1400" dirty="0" smtClean="0">
+                <a:solidFill>
+                  <a:schemeClr val="tx1"/>
+                </a:solidFill>
+              </a:rPr>
+              <a:t>게시판</a:t>
+            </a:r>
+            <a:r>
+              <a:rPr lang="en-US" altLang="ko-KR" sz="1400" dirty="0" smtClean="0">
+                <a:solidFill>
+                  <a:schemeClr val="tx1"/>
+                </a:solidFill>
+              </a:rPr>
+              <a:t> </a:t>
+            </a:r>
+            <a:r>
+              <a:rPr lang="ko-KR" altLang="en-US" sz="1400" dirty="0" smtClean="0">
+                <a:solidFill>
+                  <a:schemeClr val="tx1"/>
+                </a:solidFill>
+              </a:rPr>
+              <a:t>저</a:t>
+            </a:r>
+            <a:r>
+              <a:rPr lang="ko-KR" altLang="en-US" sz="1400" dirty="0">
+                <a:solidFill>
+                  <a:schemeClr val="tx1"/>
+                </a:solidFill>
+              </a:rPr>
+              <a:t>장</a:t>
+            </a:r>
+            <a:endParaRPr lang="en-US" altLang="ko-KR" sz="1400" dirty="0" smtClean="0">
+              <a:solidFill>
+                <a:schemeClr val="tx1"/>
+              </a:solidFill>
+            </a:endParaRPr>
+          </a:p>
+        </p:txBody>
+      </p:sp>
+      <p:sp>
+        <p:nvSpPr>
+          <p:cNvPr id="88" name="TextBox 87"/>
+          <p:cNvSpPr txBox="1"/>
+          <p:nvPr/>
+        </p:nvSpPr>
+        <p:spPr>
+          <a:xfrm>
+            <a:off x="3554872" y="1063429"/>
+            <a:ext cx="1117614" cy="276999"/>
+          </a:xfrm>
+          <a:prstGeom prst="rect">
+            <a:avLst/>
+          </a:prstGeom>
+          <a:noFill/>
+        </p:spPr>
+        <p:txBody>
+          <a:bodyPr wrap="none" rtlCol="0">
+            <a:spAutoFit/>
+          </a:bodyPr>
+          <a:lstStyle/>
+          <a:p>
+            <a:r>
+              <a:rPr lang="en-US" altLang="ko-KR" sz="1200" dirty="0" smtClean="0"/>
+              <a:t>&lt;&lt;include&gt;&gt;</a:t>
+            </a:r>
+            <a:endParaRPr lang="ko-KR" altLang="en-US" sz="1200" dirty="0"/>
+          </a:p>
+        </p:txBody>
+      </p:sp>
+      <p:sp>
+        <p:nvSpPr>
+          <p:cNvPr id="89" name="TextBox 88"/>
+          <p:cNvSpPr txBox="1"/>
+          <p:nvPr/>
+        </p:nvSpPr>
+        <p:spPr>
+          <a:xfrm>
+            <a:off x="6881455" y="2434690"/>
+            <a:ext cx="1117614" cy="276999"/>
+          </a:xfrm>
+          <a:prstGeom prst="rect">
+            <a:avLst/>
+          </a:prstGeom>
+          <a:noFill/>
+        </p:spPr>
+        <p:txBody>
+          <a:bodyPr wrap="none" rtlCol="0">
+            <a:spAutoFit/>
+          </a:bodyPr>
+          <a:lstStyle/>
+          <a:p>
+            <a:r>
+              <a:rPr lang="en-US" altLang="ko-KR" sz="1200" dirty="0" smtClean="0"/>
+              <a:t>&lt;&lt;include&gt;&gt;</a:t>
+            </a:r>
+            <a:endParaRPr lang="ko-KR" altLang="en-US" sz="1200" dirty="0"/>
+          </a:p>
         </p:txBody>
       </p:sp>
       <p:cxnSp>
         <p:nvCxnSpPr>
-          <p:cNvPr id="61" name="직선 연결선 60"/>
+          <p:cNvPr id="90" name="직선 연결선 89"/>
           <p:cNvCxnSpPr>
-            <a:stCxn id="20" idx="3"/>
-            <a:endCxn id="59" idx="2"/>
+            <a:stCxn id="85" idx="2"/>
+            <a:endCxn id="57" idx="6"/>
           </p:cNvCxnSpPr>
           <p:nvPr/>
         </p:nvCxnSpPr>
         <p:spPr>
-          <a:xfrm flipV="1">
-            <a:off x="1066175" y="2314974"/>
-            <a:ext cx="1898759" cy="29612"/>
+          <a:xfrm flipH="1" flipV="1">
+            <a:off x="3860801" y="4886885"/>
+            <a:ext cx="545994" cy="9311"/>
           </a:xfrm>
           <a:prstGeom prst="line">
             <a:avLst/>
@@ -4956,6 +5573,9 @@
             <a:solidFill>
               <a:schemeClr val="tx1"/>
             </a:solidFill>
+            <a:prstDash val="dash"/>
+            <a:headEnd type="triangle" w="lg" len="lg"/>
+            <a:tailEnd type="none" w="med" len="med"/>
           </a:ln>
         </p:spPr>
         <p:style>
@@ -4973,54 +5593,46 @@
           </a:fontRef>
         </p:style>
       </p:cxnSp>
-      <p:cxnSp>
-        <p:nvCxnSpPr>
-          <p:cNvPr id="71" name="직선 연결선 70"/>
-          <p:cNvCxnSpPr>
-            <a:stCxn id="24" idx="1"/>
-            <a:endCxn id="45" idx="6"/>
-          </p:cNvCxnSpPr>
+      <p:sp>
+        <p:nvSpPr>
+          <p:cNvPr id="93" name="TextBox 92"/>
+          <p:cNvSpPr txBox="1"/>
           <p:nvPr/>
-        </p:nvCxnSpPr>
-        <p:spPr>
-          <a:xfrm flipH="1" flipV="1">
-            <a:off x="8084246" y="1588453"/>
-            <a:ext cx="1367805" cy="387031"/>
-          </a:xfrm>
-          <a:prstGeom prst="line">
+        </p:nvSpPr>
+        <p:spPr>
+          <a:xfrm>
+            <a:off x="3597028" y="4502559"/>
+            <a:ext cx="1117614" cy="276999"/>
+          </a:xfrm>
+          <a:prstGeom prst="rect">
             <a:avLst/>
           </a:prstGeom>
-          <a:ln w="28575">
-            <a:solidFill>
-              <a:schemeClr val="tx1"/>
-            </a:solidFill>
-          </a:ln>
-        </p:spPr>
-        <p:style>
-          <a:lnRef idx="1">
-            <a:schemeClr val="accent1"/>
-          </a:lnRef>
-          <a:fillRef idx="0">
-            <a:schemeClr val="accent1"/>
-          </a:fillRef>
-          <a:effectRef idx="0">
-            <a:schemeClr val="accent1"/>
-          </a:effectRef>
-          <a:fontRef idx="minor">
-            <a:schemeClr val="tx1"/>
-          </a:fontRef>
-        </p:style>
-      </p:cxnSp>
-      <p:sp>
-        <p:nvSpPr>
-          <p:cNvPr id="78" name="타원 77"/>
+          <a:noFill/>
+        </p:spPr>
+        <p:txBody>
+          <a:bodyPr wrap="none" rtlCol="0">
+            <a:spAutoFit/>
+          </a:bodyPr>
+          <a:lstStyle/>
+          <a:p>
+            <a:r>
+              <a:rPr lang="en-US" altLang="ko-KR" sz="1200" dirty="0" smtClean="0"/>
+              <a:t>&lt;&lt;include&gt;&gt;</a:t>
+            </a:r>
+            <a:endParaRPr lang="ko-KR" altLang="en-US" sz="1200" dirty="0"/>
+          </a:p>
+        </p:txBody>
+      </p:sp>
+      <p:sp>
+        <p:nvSpPr>
+          <p:cNvPr id="42" name="타원 41"/>
           <p:cNvSpPr/>
           <p:nvPr/>
         </p:nvSpPr>
         <p:spPr>
           <a:xfrm>
-            <a:off x="4653926" y="3471695"/>
-            <a:ext cx="1784194" cy="508086"/>
+            <a:off x="2241789" y="2351648"/>
+            <a:ext cx="1636356" cy="508086"/>
           </a:xfrm>
           <a:prstGeom prst="ellipse">
             <a:avLst/>
@@ -5056,12 +5668,12 @@
           <a:p>
             <a:pPr algn="ctr"/>
             <a:r>
-              <a:rPr lang="ko-KR" altLang="en-US" sz="1400" dirty="0" smtClean="0">
+              <a:rPr lang="ko-KR" altLang="en-US" sz="1400" smtClean="0">
                 <a:solidFill>
                   <a:schemeClr val="tx1"/>
                 </a:solidFill>
               </a:rPr>
-              <a:t>태그</a:t>
+              <a:t>게시판 기본 유형 확인</a:t>
             </a:r>
             <a:endParaRPr lang="ko-KR" altLang="en-US" sz="1400" dirty="0">
               <a:solidFill>
@@ -5073,17 +5685,58 @@
       </p:sp>
       <p:cxnSp>
         <p:nvCxnSpPr>
-          <p:cNvPr id="80" name="직선 연결선 79"/>
+          <p:cNvPr id="44" name="직선 연결선 43"/>
           <p:cNvCxnSpPr>
-            <a:stCxn id="92" idx="1"/>
-            <a:endCxn id="60" idx="6"/>
+            <a:stCxn id="42" idx="6"/>
+            <a:endCxn id="73" idx="2"/>
           </p:cNvCxnSpPr>
           <p:nvPr/>
         </p:nvCxnSpPr>
         <p:spPr>
-          <a:xfrm flipH="1" flipV="1">
-            <a:off x="8127112" y="2929474"/>
-            <a:ext cx="1324939" cy="1342983"/>
+          <a:xfrm>
+            <a:off x="3878145" y="2605691"/>
+            <a:ext cx="1853582" cy="272833"/>
+          </a:xfrm>
+          <a:prstGeom prst="line">
+            <a:avLst/>
+          </a:prstGeom>
+          <a:ln w="28575">
+            <a:solidFill>
+              <a:schemeClr val="tx1"/>
+            </a:solidFill>
+            <a:prstDash val="dash"/>
+            <a:headEnd type="triangle" w="lg" len="lg"/>
+            <a:tailEnd type="none" w="med" len="med"/>
+          </a:ln>
+        </p:spPr>
+        <p:style>
+          <a:lnRef idx="1">
+            <a:schemeClr val="accent1"/>
+          </a:lnRef>
+          <a:fillRef idx="0">
+            <a:schemeClr val="accent1"/>
+          </a:fillRef>
+          <a:effectRef idx="0">
+            <a:schemeClr val="accent1"/>
+          </a:effectRef>
+          <a:fontRef idx="minor">
+            <a:schemeClr val="tx1"/>
+          </a:fontRef>
+        </p:style>
+      </p:cxnSp>
+      <p:cxnSp>
+        <p:nvCxnSpPr>
+          <p:cNvPr id="58" name="직선 연결선 57"/>
+          <p:cNvCxnSpPr>
+            <a:stCxn id="49" idx="3"/>
+            <a:endCxn id="42" idx="2"/>
+          </p:cNvCxnSpPr>
+          <p:nvPr/>
+        </p:nvCxnSpPr>
+        <p:spPr>
+          <a:xfrm flipV="1">
+            <a:off x="1032281" y="2605691"/>
+            <a:ext cx="1209508" cy="341060"/>
           </a:xfrm>
           <a:prstGeom prst="line">
             <a:avLst/>
@@ -5111,14 +5764,14 @@
       </p:cxnSp>
       <p:sp>
         <p:nvSpPr>
-          <p:cNvPr id="86" name="타원 85"/>
+          <p:cNvPr id="59" name="타원 58"/>
           <p:cNvSpPr/>
           <p:nvPr/>
         </p:nvSpPr>
         <p:spPr>
           <a:xfrm>
-            <a:off x="1999251" y="3713347"/>
-            <a:ext cx="1373630" cy="508086"/>
+            <a:off x="2241789" y="3689331"/>
+            <a:ext cx="1636356" cy="508086"/>
           </a:xfrm>
           <a:prstGeom prst="ellipse">
             <a:avLst/>
@@ -5159,7 +5812,7 @@
                   <a:schemeClr val="tx1"/>
                 </a:solidFill>
               </a:rPr>
-              <a:t>파일첨부</a:t>
+              <a:t>나만의 게시판 만들기</a:t>
             </a:r>
             <a:endParaRPr lang="ko-KR" altLang="en-US" sz="1400" dirty="0">
               <a:solidFill>
@@ -5169,16 +5822,54 @@
           </a:p>
         </p:txBody>
       </p:sp>
-      <p:sp>
-        <p:nvSpPr>
-          <p:cNvPr id="99" name="타원 98"/>
+      <p:cxnSp>
+        <p:nvCxnSpPr>
+          <p:cNvPr id="60" name="직선 연결선 59"/>
+          <p:cNvCxnSpPr>
+            <a:stCxn id="49" idx="3"/>
+            <a:endCxn id="59" idx="2"/>
+          </p:cNvCxnSpPr>
+          <p:nvPr/>
+        </p:nvCxnSpPr>
+        <p:spPr>
+          <a:xfrm>
+            <a:off x="1032281" y="2946751"/>
+            <a:ext cx="1209508" cy="996623"/>
+          </a:xfrm>
+          <a:prstGeom prst="line">
+            <a:avLst/>
+          </a:prstGeom>
+          <a:ln w="28575">
+            <a:solidFill>
+              <a:schemeClr val="tx1"/>
+            </a:solidFill>
+          </a:ln>
+        </p:spPr>
+        <p:style>
+          <a:lnRef idx="1">
+            <a:schemeClr val="accent1"/>
+          </a:lnRef>
+          <a:fillRef idx="0">
+            <a:schemeClr val="accent1"/>
+          </a:fillRef>
+          <a:effectRef idx="0">
+            <a:schemeClr val="accent1"/>
+          </a:effectRef>
+          <a:fontRef idx="minor">
+            <a:schemeClr val="tx1"/>
+          </a:fontRef>
+        </p:style>
+      </p:cxnSp>
+      <p:sp>
+        <p:nvSpPr>
+          <p:cNvPr id="61" name="타원 60"/>
           <p:cNvSpPr/>
           <p:nvPr/>
         </p:nvSpPr>
         <p:spPr>
           <a:xfrm>
-            <a:off x="2293374" y="4346014"/>
-            <a:ext cx="1421675" cy="472048"/>
+            <a:off x="4360775" y="3683512"/>
+            <a:ext cx="1370952" cy="508086"/>
           </a:xfrm>
           <a:prstGeom prst="ellipse">
             <a:avLst/>
@@ -5219,7 +5910,23 @@
                   <a:schemeClr val="tx1"/>
                 </a:solidFill>
               </a:rPr>
-              <a:t>공개여부</a:t>
+              <a:t>게시판 </a:t>
+            </a:r>
+            <a:endParaRPr lang="en-US" altLang="ko-KR" sz="1400" dirty="0" smtClean="0">
+              <a:solidFill>
+                <a:schemeClr val="tx1"/>
+              </a:solidFill>
+            </a:endParaRPr>
+          </a:p>
+          <a:p>
+            <a:pPr algn="ctr"/>
+            <a:r>
+              <a:rPr lang="ko-KR" altLang="en-US" sz="1400" dirty="0" smtClean="0">
+                <a:solidFill>
+                  <a:schemeClr val="tx1"/>
+                </a:solidFill>
+              </a:rPr>
+              <a:t>요소 선택</a:t>
             </a:r>
             <a:endParaRPr lang="ko-KR" altLang="en-US" sz="1400" dirty="0">
               <a:solidFill>
@@ -5229,16 +5936,128 @@
           </a:p>
         </p:txBody>
       </p:sp>
-      <p:sp>
-        <p:nvSpPr>
-          <p:cNvPr id="104" name="타원 103"/>
+      <p:cxnSp>
+        <p:nvCxnSpPr>
+          <p:cNvPr id="62" name="직선 연결선 61"/>
+          <p:cNvCxnSpPr>
+            <a:stCxn id="61" idx="2"/>
+            <a:endCxn id="59" idx="6"/>
+          </p:cNvCxnSpPr>
+          <p:nvPr/>
+        </p:nvCxnSpPr>
+        <p:spPr>
+          <a:xfrm flipH="1">
+            <a:off x="3878145" y="3937555"/>
+            <a:ext cx="482630" cy="5819"/>
+          </a:xfrm>
+          <a:prstGeom prst="line">
+            <a:avLst/>
+          </a:prstGeom>
+          <a:ln w="28575">
+            <a:solidFill>
+              <a:schemeClr val="tx1"/>
+            </a:solidFill>
+            <a:prstDash val="dash"/>
+            <a:headEnd type="triangle" w="lg" len="lg"/>
+            <a:tailEnd type="none" w="med" len="med"/>
+          </a:ln>
+        </p:spPr>
+        <p:style>
+          <a:lnRef idx="1">
+            <a:schemeClr val="accent1"/>
+          </a:lnRef>
+          <a:fillRef idx="0">
+            <a:schemeClr val="accent1"/>
+          </a:fillRef>
+          <a:effectRef idx="0">
+            <a:schemeClr val="accent1"/>
+          </a:effectRef>
+          <a:fontRef idx="minor">
+            <a:schemeClr val="tx1"/>
+          </a:fontRef>
+        </p:style>
+      </p:cxnSp>
+      <p:sp>
+        <p:nvSpPr>
+          <p:cNvPr id="64" name="TextBox 63"/>
+          <p:cNvSpPr txBox="1"/>
+          <p:nvPr/>
+        </p:nvSpPr>
+        <p:spPr>
+          <a:xfrm>
+            <a:off x="3597028" y="3507985"/>
+            <a:ext cx="1117614" cy="276999"/>
+          </a:xfrm>
+          <a:prstGeom prst="rect">
+            <a:avLst/>
+          </a:prstGeom>
+          <a:noFill/>
+        </p:spPr>
+        <p:txBody>
+          <a:bodyPr wrap="none" rtlCol="0">
+            <a:spAutoFit/>
+          </a:bodyPr>
+          <a:lstStyle/>
+          <a:p>
+            <a:r>
+              <a:rPr lang="en-US" altLang="ko-KR" sz="1200" dirty="0" smtClean="0"/>
+              <a:t>&lt;&lt;include&gt;&gt;</a:t>
+            </a:r>
+            <a:endParaRPr lang="ko-KR" altLang="en-US" sz="1200" dirty="0"/>
+          </a:p>
+        </p:txBody>
+      </p:sp>
+      <p:cxnSp>
+        <p:nvCxnSpPr>
+          <p:cNvPr id="71" name="직선 연결선 70"/>
+          <p:cNvCxnSpPr>
+            <a:stCxn id="61" idx="0"/>
+            <a:endCxn id="73" idx="2"/>
+          </p:cNvCxnSpPr>
+          <p:nvPr/>
+        </p:nvCxnSpPr>
+        <p:spPr>
+          <a:xfrm flipV="1">
+            <a:off x="5046251" y="2878524"/>
+            <a:ext cx="685476" cy="804988"/>
+          </a:xfrm>
+          <a:prstGeom prst="line">
+            <a:avLst/>
+          </a:prstGeom>
+          <a:ln w="28575">
+            <a:solidFill>
+              <a:schemeClr val="tx1"/>
+            </a:solidFill>
+            <a:prstDash val="dash"/>
+            <a:headEnd type="triangle" w="lg" len="lg"/>
+            <a:tailEnd type="none" w="med" len="med"/>
+          </a:ln>
+        </p:spPr>
+        <p:style>
+          <a:lnRef idx="1">
+            <a:schemeClr val="accent1"/>
+          </a:lnRef>
+          <a:fillRef idx="0">
+            <a:schemeClr val="accent1"/>
+          </a:fillRef>
+          <a:effectRef idx="0">
+            <a:schemeClr val="accent1"/>
+          </a:effectRef>
+          <a:fontRef idx="minor">
+            <a:schemeClr val="tx1"/>
+          </a:fontRef>
+        </p:style>
+      </p:cxnSp>
+      <p:sp>
+        <p:nvSpPr>
+          <p:cNvPr id="78" name="타원 77"/>
           <p:cNvSpPr/>
           <p:nvPr/>
         </p:nvSpPr>
         <p:spPr>
           <a:xfrm>
-            <a:off x="3259596" y="548876"/>
-            <a:ext cx="1784194" cy="508086"/>
+            <a:off x="6255700" y="3692158"/>
+            <a:ext cx="1370952" cy="508086"/>
           </a:xfrm>
           <a:prstGeom prst="ellipse">
             <a:avLst/>
@@ -5279,7 +6098,23 @@
                   <a:schemeClr val="tx1"/>
                 </a:solidFill>
               </a:rPr>
-              <a:t>사용자 정보 입력</a:t>
+              <a:t>게시판 </a:t>
+            </a:r>
+            <a:endParaRPr lang="en-US" altLang="ko-KR" sz="1400" dirty="0" smtClean="0">
+              <a:solidFill>
+                <a:schemeClr val="tx1"/>
+              </a:solidFill>
+            </a:endParaRPr>
+          </a:p>
+          <a:p>
+            <a:pPr algn="ctr"/>
+            <a:r>
+              <a:rPr lang="ko-KR" altLang="en-US" sz="1400" dirty="0" smtClean="0">
+                <a:solidFill>
+                  <a:schemeClr val="tx1"/>
+                </a:solidFill>
+              </a:rPr>
+              <a:t>수정</a:t>
             </a:r>
             <a:endParaRPr lang="ko-KR" altLang="en-US" sz="1400" dirty="0">
               <a:solidFill>
@@ -5291,17 +6126,95 @@
       </p:sp>
       <p:cxnSp>
         <p:nvCxnSpPr>
-          <p:cNvPr id="109" name="직선 연결선 108"/>
+          <p:cNvPr id="80" name="직선 연결선 79"/>
+          <p:cNvCxnSpPr/>
+          <p:nvPr/>
+        </p:nvCxnSpPr>
+        <p:spPr>
+          <a:xfrm flipH="1">
+            <a:off x="5720393" y="3946201"/>
+            <a:ext cx="535307" cy="0"/>
+          </a:xfrm>
+          <a:prstGeom prst="line">
+            <a:avLst/>
+          </a:prstGeom>
+          <a:ln w="28575" cmpd="sng">
+            <a:solidFill>
+              <a:schemeClr val="tx1"/>
+            </a:solidFill>
+            <a:prstDash val="solid"/>
+            <a:headEnd type="triangle" w="lg" len="lg"/>
+            <a:tailEnd type="none" w="med" len="med"/>
+          </a:ln>
+        </p:spPr>
+        <p:style>
+          <a:lnRef idx="1">
+            <a:schemeClr val="accent1"/>
+          </a:lnRef>
+          <a:fillRef idx="0">
+            <a:schemeClr val="accent1"/>
+          </a:fillRef>
+          <a:effectRef idx="0">
+            <a:schemeClr val="accent1"/>
+          </a:effectRef>
+          <a:fontRef idx="minor">
+            <a:schemeClr val="tx1"/>
+          </a:fontRef>
+        </p:style>
+      </p:cxnSp>
+      <p:cxnSp>
+        <p:nvCxnSpPr>
+          <p:cNvPr id="86" name="직선 연결선 85"/>
           <p:cNvCxnSpPr>
-            <a:stCxn id="44" idx="2"/>
-            <a:endCxn id="104" idx="6"/>
+            <a:endCxn id="73" idx="4"/>
           </p:cNvCxnSpPr>
           <p:nvPr/>
         </p:nvCxnSpPr>
         <p:spPr>
+          <a:xfrm flipH="1" flipV="1">
+            <a:off x="6453832" y="3132567"/>
+            <a:ext cx="228775" cy="559591"/>
+          </a:xfrm>
+          <a:prstGeom prst="line">
+            <a:avLst/>
+          </a:prstGeom>
+          <a:ln w="28575" cmpd="sng">
+            <a:solidFill>
+              <a:schemeClr val="tx1"/>
+            </a:solidFill>
+            <a:prstDash val="solid"/>
+            <a:headEnd type="triangle" w="lg" len="lg"/>
+            <a:tailEnd type="none" w="med" len="med"/>
+          </a:ln>
+        </p:spPr>
+        <p:style>
+          <a:lnRef idx="1">
+            <a:schemeClr val="accent1"/>
+          </a:lnRef>
+          <a:fillRef idx="0">
+            <a:schemeClr val="accent1"/>
+          </a:fillRef>
+          <a:effectRef idx="0">
+            <a:schemeClr val="accent1"/>
+          </a:effectRef>
+          <a:fontRef idx="minor">
+            <a:schemeClr val="tx1"/>
+          </a:fontRef>
+        </p:style>
+      </p:cxnSp>
+      <p:cxnSp>
+        <p:nvCxnSpPr>
+          <p:cNvPr id="87" name="직선 연결선 86"/>
+          <p:cNvCxnSpPr>
+            <a:stCxn id="83" idx="4"/>
+            <a:endCxn id="78" idx="6"/>
+          </p:cNvCxnSpPr>
+          <p:nvPr/>
+        </p:nvCxnSpPr>
+        <p:spPr>
           <a:xfrm flipH="1">
-            <a:off x="5043790" y="795428"/>
-            <a:ext cx="1256262" cy="7491"/>
+            <a:off x="7626652" y="3132567"/>
+            <a:ext cx="806697" cy="813634"/>
           </a:xfrm>
           <a:prstGeom prst="line">
             <a:avLst/>
@@ -5330,266 +6243,36 @@
           </a:fontRef>
         </p:style>
       </p:cxnSp>
-      <p:cxnSp>
-        <p:nvCxnSpPr>
-          <p:cNvPr id="130" name="직선 연결선 129"/>
-          <p:cNvCxnSpPr>
-            <a:stCxn id="45" idx="4"/>
-            <a:endCxn id="60" idx="0"/>
-          </p:cNvCxnSpPr>
+      <p:sp>
+        <p:nvSpPr>
+          <p:cNvPr id="91" name="TextBox 90"/>
+          <p:cNvSpPr txBox="1"/>
           <p:nvPr/>
-        </p:nvCxnSpPr>
+        </p:nvSpPr>
         <p:spPr>
           <a:xfrm>
-            <a:off x="7192149" y="1842496"/>
-            <a:ext cx="42866" cy="832935"/>
-          </a:xfrm>
-          <a:prstGeom prst="line">
+            <a:off x="7067845" y="3230986"/>
+            <a:ext cx="1117614" cy="276999"/>
+          </a:xfrm>
+          <a:prstGeom prst="rect">
             <a:avLst/>
           </a:prstGeom>
-          <a:ln w="28575">
-            <a:solidFill>
-              <a:schemeClr val="tx1"/>
-            </a:solidFill>
-            <a:prstDash val="dash"/>
-            <a:headEnd type="triangle" w="lg" len="lg"/>
-            <a:tailEnd type="none" w="med" len="med"/>
-          </a:ln>
-        </p:spPr>
-        <p:style>
-          <a:lnRef idx="1">
-            <a:schemeClr val="accent1"/>
-          </a:lnRef>
-          <a:fillRef idx="0">
-            <a:schemeClr val="accent1"/>
-          </a:fillRef>
-          <a:effectRef idx="0">
-            <a:schemeClr val="accent1"/>
-          </a:effectRef>
-          <a:fontRef idx="minor">
-            <a:schemeClr val="tx1"/>
-          </a:fontRef>
-        </p:style>
-      </p:cxnSp>
-      <p:sp>
-        <p:nvSpPr>
-          <p:cNvPr id="141" name="타원 140"/>
-          <p:cNvSpPr/>
-          <p:nvPr/>
-        </p:nvSpPr>
-        <p:spPr>
-          <a:xfrm>
-            <a:off x="3345655" y="1226027"/>
-            <a:ext cx="1067077" cy="508086"/>
-          </a:xfrm>
-          <a:prstGeom prst="ellipse">
-            <a:avLst/>
-          </a:prstGeom>
-          <a:solidFill>
-            <a:schemeClr val="bg1"/>
-          </a:solidFill>
-          <a:ln w="28575">
-            <a:solidFill>
-              <a:schemeClr val="tx1"/>
-            </a:solidFill>
-          </a:ln>
-        </p:spPr>
-        <p:style>
-          <a:lnRef idx="2">
-            <a:schemeClr val="accent1">
-              <a:shade val="50000"/>
-            </a:schemeClr>
-          </a:lnRef>
-          <a:fillRef idx="1">
-            <a:schemeClr val="accent1"/>
-          </a:fillRef>
-          <a:effectRef idx="0">
-            <a:schemeClr val="accent1"/>
-          </a:effectRef>
-          <a:fontRef idx="minor">
-            <a:schemeClr val="lt1"/>
-          </a:fontRef>
-        </p:style>
-        <p:txBody>
-          <a:bodyPr rtlCol="0" anchor="ctr"/>
+          <a:noFill/>
+        </p:spPr>
+        <p:txBody>
+          <a:bodyPr wrap="none" rtlCol="0">
+            <a:spAutoFit/>
+          </a:bodyPr>
           <a:lstStyle/>
           <a:p>
-            <a:pPr algn="ctr"/>
-            <a:r>
-              <a:rPr lang="ko-KR" altLang="en-US" sz="1400" dirty="0" smtClean="0">
-                <a:solidFill>
-                  <a:schemeClr val="tx1"/>
-                </a:solidFill>
-              </a:rPr>
-              <a:t>로그인</a:t>
-            </a:r>
-            <a:endParaRPr lang="ko-KR" altLang="en-US" sz="1400" dirty="0">
-              <a:solidFill>
-                <a:schemeClr val="tx1"/>
-              </a:solidFill>
-            </a:endParaRPr>
-          </a:p>
-        </p:txBody>
-      </p:sp>
-      <p:cxnSp>
-        <p:nvCxnSpPr>
-          <p:cNvPr id="142" name="직선 연결선 141"/>
-          <p:cNvCxnSpPr>
-            <a:stCxn id="20" idx="3"/>
-            <a:endCxn id="141" idx="2"/>
-          </p:cNvCxnSpPr>
-          <p:nvPr/>
-        </p:nvCxnSpPr>
-        <p:spPr>
-          <a:xfrm flipV="1">
-            <a:off x="1066175" y="1480070"/>
-            <a:ext cx="2279480" cy="864516"/>
-          </a:xfrm>
-          <a:prstGeom prst="line">
-            <a:avLst/>
-          </a:prstGeom>
-          <a:ln w="28575">
-            <a:solidFill>
-              <a:schemeClr val="tx1"/>
-            </a:solidFill>
-          </a:ln>
-        </p:spPr>
-        <p:style>
-          <a:lnRef idx="1">
-            <a:schemeClr val="accent1"/>
-          </a:lnRef>
-          <a:fillRef idx="0">
-            <a:schemeClr val="accent1"/>
-          </a:fillRef>
-          <a:effectRef idx="0">
-            <a:schemeClr val="accent1"/>
-          </a:effectRef>
-          <a:fontRef idx="minor">
-            <a:schemeClr val="tx1"/>
-          </a:fontRef>
-        </p:style>
-      </p:cxnSp>
-      <p:cxnSp>
-        <p:nvCxnSpPr>
-          <p:cNvPr id="147" name="직선 연결선 146"/>
-          <p:cNvCxnSpPr>
-            <a:stCxn id="141" idx="6"/>
-            <a:endCxn id="45" idx="2"/>
-          </p:cNvCxnSpPr>
-          <p:nvPr/>
-        </p:nvCxnSpPr>
-        <p:spPr>
-          <a:xfrm>
-            <a:off x="4412732" y="1480070"/>
-            <a:ext cx="1887320" cy="108383"/>
-          </a:xfrm>
-          <a:prstGeom prst="line">
-            <a:avLst/>
-          </a:prstGeom>
-          <a:ln w="28575">
-            <a:solidFill>
-              <a:schemeClr val="tx1"/>
-            </a:solidFill>
-            <a:prstDash val="dash"/>
-            <a:headEnd type="triangle" w="lg" len="lg"/>
-            <a:tailEnd type="none" w="med" len="med"/>
-          </a:ln>
-        </p:spPr>
-        <p:style>
-          <a:lnRef idx="1">
-            <a:schemeClr val="accent1"/>
-          </a:lnRef>
-          <a:fillRef idx="0">
-            <a:schemeClr val="accent1"/>
-          </a:fillRef>
-          <a:effectRef idx="0">
-            <a:schemeClr val="accent1"/>
-          </a:effectRef>
-          <a:fontRef idx="minor">
-            <a:schemeClr val="tx1"/>
-          </a:fontRef>
-        </p:style>
-      </p:cxnSp>
-      <p:cxnSp>
-        <p:nvCxnSpPr>
-          <p:cNvPr id="189" name="직선 연결선 188"/>
-          <p:cNvCxnSpPr>
-            <a:stCxn id="59" idx="6"/>
-            <a:endCxn id="78" idx="0"/>
-          </p:cNvCxnSpPr>
-          <p:nvPr/>
-        </p:nvCxnSpPr>
-        <p:spPr>
-          <a:xfrm>
-            <a:off x="4749128" y="2314974"/>
-            <a:ext cx="796895" cy="1156721"/>
-          </a:xfrm>
-          <a:prstGeom prst="line">
-            <a:avLst/>
-          </a:prstGeom>
-          <a:ln w="34925" cmpd="sng">
-            <a:solidFill>
-              <a:schemeClr val="tx1"/>
-            </a:solidFill>
-            <a:round/>
-            <a:tailEnd type="triangle" w="lg" len="lg"/>
-          </a:ln>
-        </p:spPr>
-        <p:style>
-          <a:lnRef idx="1">
-            <a:schemeClr val="accent1"/>
-          </a:lnRef>
-          <a:fillRef idx="0">
-            <a:schemeClr val="accent1"/>
-          </a:fillRef>
-          <a:effectRef idx="0">
-            <a:schemeClr val="accent1"/>
-          </a:effectRef>
-          <a:fontRef idx="minor">
-            <a:schemeClr val="tx1"/>
-          </a:fontRef>
-        </p:style>
-      </p:cxnSp>
-      <p:cxnSp>
-        <p:nvCxnSpPr>
-          <p:cNvPr id="192" name="직선 연결선 191"/>
-          <p:cNvCxnSpPr>
-            <a:stCxn id="47" idx="6"/>
-            <a:endCxn id="78" idx="1"/>
-          </p:cNvCxnSpPr>
-          <p:nvPr/>
-        </p:nvCxnSpPr>
-        <p:spPr>
-          <a:xfrm>
-            <a:off x="4467472" y="3080680"/>
-            <a:ext cx="447743" cy="465422"/>
-          </a:xfrm>
-          <a:prstGeom prst="line">
-            <a:avLst/>
-          </a:prstGeom>
-          <a:ln w="34925" cmpd="sng">
-            <a:solidFill>
-              <a:schemeClr val="tx1"/>
-            </a:solidFill>
-            <a:round/>
-            <a:tailEnd type="triangle" w="lg" len="lg"/>
-          </a:ln>
-        </p:spPr>
-        <p:style>
-          <a:lnRef idx="1">
-            <a:schemeClr val="accent1"/>
-          </a:lnRef>
-          <a:fillRef idx="0">
-            <a:schemeClr val="accent1"/>
-          </a:fillRef>
-          <a:effectRef idx="0">
-            <a:schemeClr val="accent1"/>
-          </a:effectRef>
-          <a:fontRef idx="minor">
-            <a:schemeClr val="tx1"/>
-          </a:fontRef>
-        </p:style>
-      </p:cxnSp>
+            <a:r>
+              <a:rPr lang="en-US" altLang="ko-KR" sz="1200" dirty="0" smtClean="0"/>
+              <a:t>&lt;&lt;include&gt;&gt;</a:t>
+            </a:r>
+            <a:endParaRPr lang="ko-KR" altLang="en-US" sz="1200" dirty="0"/>
+          </a:p>
+        </p:txBody>
+      </p:sp>
     </p:spTree>
     <p:extLst>
       <p:ext uri="{BB962C8B-B14F-4D97-AF65-F5344CB8AC3E}">
@@ -5610,7 +6293,7 @@
 </p:sld>
 </file>
 
-<file path=ppt/slides/slide3.xml><?xml version="1.0" encoding="utf-8"?>
+<file path=ppt/slides/slide5.xml><?xml version="1.0" encoding="utf-8"?>
 <p:sld xmlns:a="http://schemas.openxmlformats.org/drawingml/2006/main" xmlns:r="http://schemas.openxmlformats.org/officeDocument/2006/relationships" xmlns:p="http://schemas.openxmlformats.org/presentationml/2006/main">
   <p:cSld>
     <p:spTree>
@@ -5629,14 +6312,76 @@
       </p:grpSpPr>
       <p:sp>
         <p:nvSpPr>
+          <p:cNvPr id="2" name="제목 1"/>
+          <p:cNvSpPr>
+            <a:spLocks noGrp="1"/>
+          </p:cNvSpPr>
+          <p:nvPr>
+            <p:ph type="title"/>
+          </p:nvPr>
+        </p:nvSpPr>
+        <p:spPr>
+          <a:xfrm>
+            <a:off x="3187700" y="2435225"/>
+            <a:ext cx="5842000" cy="1325563"/>
+          </a:xfrm>
+        </p:spPr>
+        <p:txBody>
+          <a:bodyPr/>
+          <a:lstStyle/>
+          <a:p>
+            <a:r>
+              <a:rPr lang="ko-KR" altLang="en-US" dirty="0" err="1" smtClean="0"/>
+              <a:t>유스케이스</a:t>
+            </a:r>
+            <a:r>
+              <a:rPr lang="ko-KR" altLang="en-US" dirty="0" smtClean="0"/>
+              <a:t> 명세서</a:t>
+            </a:r>
+            <a:endParaRPr lang="ko-KR" altLang="en-US" dirty="0"/>
+          </a:p>
+        </p:txBody>
+      </p:sp>
+    </p:spTree>
+    <p:extLst>
+      <p:ext uri="{BB962C8B-B14F-4D97-AF65-F5344CB8AC3E}">
+        <p14:creationId xmlns:p14="http://schemas.microsoft.com/office/powerpoint/2010/main" val="2520883378"/>
+      </p:ext>
+    </p:extLst>
+  </p:cSld>
+  <p:clrMapOvr>
+    <a:masterClrMapping/>
+  </p:clrMapOvr>
+</p:sld>
+</file>
+
+<file path=ppt/slides/slide6.xml><?xml version="1.0" encoding="utf-8"?>
+<p:sld xmlns:a="http://schemas.openxmlformats.org/drawingml/2006/main" xmlns:r="http://schemas.openxmlformats.org/officeDocument/2006/relationships" xmlns:p="http://schemas.openxmlformats.org/presentationml/2006/main">
+  <p:cSld>
+    <p:spTree>
+      <p:nvGrpSpPr>
+        <p:cNvPr id="1" name=""/>
+        <p:cNvGrpSpPr/>
+        <p:nvPr/>
+      </p:nvGrpSpPr>
+      <p:grpSpPr>
+        <a:xfrm>
+          <a:off x="0" y="0"/>
+          <a:ext cx="0" cy="0"/>
+          <a:chOff x="0" y="0"/>
+          <a:chExt cx="0" cy="0"/>
+        </a:xfrm>
+      </p:grpSpPr>
+      <p:sp>
+        <p:nvSpPr>
           <p:cNvPr id="4" name="TextBox 3"/>
           <p:cNvSpPr txBox="1"/>
           <p:nvPr/>
         </p:nvSpPr>
         <p:spPr>
           <a:xfrm>
-            <a:off x="0" y="0"/>
-            <a:ext cx="5664820" cy="2492990"/>
+            <a:off x="1210394" y="406400"/>
+            <a:ext cx="3956692" cy="1938992"/>
           </a:xfrm>
           <a:prstGeom prst="rect">
             <a:avLst/>
@@ -5671,13 +6416,14 @@
               <a:t>: </a:t>
             </a:r>
             <a:r>
-              <a:rPr lang="ko-KR" altLang="en-US" sz="1200" dirty="0"/>
-              <a:t>대화형 검색 엔진</a:t>
-            </a:r>
-            <a:r>
-              <a:rPr lang="en-US" altLang="ko-KR" sz="1200" dirty="0" smtClean="0"/>
-              <a:t> </a:t>
-            </a:r>
+              <a:rPr lang="ko-KR" altLang="en-US" sz="1200" dirty="0" err="1" smtClean="0"/>
+              <a:t>태그별</a:t>
+            </a:r>
+            <a:r>
+              <a:rPr lang="ko-KR" altLang="en-US" sz="1200" dirty="0" smtClean="0"/>
+              <a:t> 게시판 검색</a:t>
+            </a:r>
+            <a:endParaRPr lang="en-US" altLang="ko-KR" sz="1200" dirty="0" smtClean="0"/>
           </a:p>
           <a:p>
             <a:pPr marL="285750" indent="-285750">
@@ -5690,8 +6436,13 @@
             </a:r>
             <a:r>
               <a:rPr lang="en-US" altLang="ko-KR" sz="1200" dirty="0" smtClean="0"/>
-              <a:t>: user</a:t>
-            </a:r>
+              <a:t>: </a:t>
+            </a:r>
+            <a:r>
+              <a:rPr lang="ko-KR" altLang="en-US" sz="1200" dirty="0" smtClean="0"/>
+              <a:t>사용자</a:t>
+            </a:r>
+            <a:endParaRPr lang="en-US" altLang="ko-KR" sz="1200" dirty="0" smtClean="0"/>
           </a:p>
           <a:p>
             <a:pPr marL="285750" indent="-285750">
@@ -5715,19 +6466,15 @@
             </a:pPr>
             <a:r>
               <a:rPr lang="ko-KR" altLang="en-US" sz="1200" dirty="0" smtClean="0"/>
-              <a:t>사용자를 등록 후 </a:t>
-            </a:r>
-            <a:r>
-              <a:rPr lang="en-US" altLang="ko-KR" sz="1200" dirty="0" smtClean="0"/>
-              <a:t>Plug-in</a:t>
+              <a:t>태그를 검색하여 충족된 </a:t>
             </a:r>
             <a:r>
               <a:rPr lang="ko-KR" altLang="en-US" sz="1200" dirty="0" smtClean="0"/>
-              <a:t>을 구동 시켜 음성으로 웹 검색을 한다</a:t>
-            </a:r>
-            <a:r>
-              <a:rPr lang="en-US" altLang="ko-KR" sz="1200" dirty="0"/>
-              <a:t>.</a:t>
+              <a:t>태그를 </a:t>
+            </a:r>
+            <a:r>
+              <a:rPr lang="ko-KR" altLang="en-US" sz="1200" dirty="0" smtClean="0"/>
+              <a:t>찾는 행위</a:t>
             </a:r>
             <a:endParaRPr lang="en-US" altLang="ko-KR" sz="1200" dirty="0" smtClean="0"/>
           </a:p>
@@ -5746,7 +6493,7 @@
             </a:r>
             <a:r>
               <a:rPr lang="ko-KR" altLang="en-US" sz="1200" dirty="0" smtClean="0"/>
-              <a:t>사용자 등록</a:t>
+              <a:t>게시판 요소 인지</a:t>
             </a:r>
             <a:endParaRPr lang="en-US" altLang="ko-KR" sz="1200" dirty="0" smtClean="0"/>
           </a:p>
@@ -5767,25 +6514,14 @@
               <a:buChar char="–"/>
             </a:pPr>
             <a:r>
+              <a:rPr lang="ko-KR" altLang="en-US" sz="1200" dirty="0" err="1" smtClean="0"/>
+              <a:t>검색란에</a:t>
+            </a:r>
+            <a:r>
               <a:rPr lang="ko-KR" altLang="en-US" sz="1200" dirty="0" smtClean="0"/>
-              <a:t>사용자를 </a:t>
-            </a:r>
-            <a:r>
-              <a:rPr lang="ko-KR" altLang="en-US" sz="1200" dirty="0"/>
-              <a:t>등록 후 </a:t>
-            </a:r>
-            <a:r>
-              <a:rPr lang="en-US" altLang="ko-KR" sz="1200" dirty="0"/>
-              <a:t>Plug-in</a:t>
-            </a:r>
-            <a:r>
-              <a:rPr lang="ko-KR" altLang="en-US" sz="1200" dirty="0"/>
-              <a:t>을 구동 시켜 음성으로 웹 검색을 한다</a:t>
-            </a:r>
-            <a:r>
-              <a:rPr lang="en-US" altLang="ko-KR" sz="1200" dirty="0" smtClean="0"/>
-              <a:t>.</a:t>
-            </a:r>
+              <a:t> 태그 요소를 기입하여 검색</a:t>
+            </a:r>
+            <a:endParaRPr lang="en-US" altLang="ko-KR" sz="1200" dirty="0" smtClean="0"/>
           </a:p>
           <a:p>
             <a:pPr marL="742950" lvl="1" indent="-285750">
@@ -5794,12 +6530,9 @@
             </a:pPr>
             <a:r>
               <a:rPr lang="ko-KR" altLang="en-US" sz="1200" dirty="0" smtClean="0"/>
-              <a:t>시스템에 의해 검색된 문자를 확인한다</a:t>
-            </a:r>
-            <a:r>
-              <a:rPr lang="en-US" altLang="ko-KR" sz="1200" dirty="0" smtClean="0"/>
-              <a:t>.</a:t>
-            </a:r>
+              <a:t>검색 후 나열된 게시판 확인</a:t>
+            </a:r>
+            <a:endParaRPr lang="en-US" altLang="ko-KR" sz="1200" dirty="0" smtClean="0"/>
           </a:p>
           <a:p>
             <a:pPr marL="742950" lvl="1" indent="-285750">
@@ -5808,48 +6541,7 @@
             </a:pPr>
             <a:r>
               <a:rPr lang="ko-KR" altLang="en-US" sz="1200" dirty="0" smtClean="0"/>
-              <a:t>문자목록이 </a:t>
-            </a:r>
-            <a:r>
-              <a:rPr lang="en-US" altLang="ko-KR" sz="1200" dirty="0" smtClean="0"/>
-              <a:t>1</a:t>
-            </a:r>
-            <a:r>
-              <a:rPr lang="ko-KR" altLang="en-US" sz="1200" dirty="0" smtClean="0"/>
-              <a:t>개면 검색을 바로 진행한다</a:t>
-            </a:r>
-            <a:r>
-              <a:rPr lang="en-US" altLang="ko-KR" sz="1200" dirty="0" smtClean="0"/>
-              <a:t>.</a:t>
-            </a:r>
-          </a:p>
-          <a:p>
-            <a:pPr marL="742950" lvl="1" indent="-285750">
-              <a:buFont typeface="맑은 고딕" panose="020B0503020000020004" pitchFamily="50" charset="-127"/>
-              <a:buChar char="–"/>
-            </a:pPr>
-            <a:r>
-              <a:rPr lang="ko-KR" altLang="en-US" sz="1200" dirty="0" smtClean="0"/>
-              <a:t>문자 입력이 </a:t>
-            </a:r>
-            <a:r>
-              <a:rPr lang="en-US" altLang="ko-KR" sz="1200" dirty="0" smtClean="0"/>
-              <a:t>1</a:t>
-            </a:r>
-            <a:r>
-              <a:rPr lang="ko-KR" altLang="en-US" sz="1200" dirty="0" smtClean="0"/>
-              <a:t>개 이상이면 순차적을 확인 받음 또는 목록 번호로 음성을 인식 확인</a:t>
-            </a:r>
-            <a:endParaRPr lang="en-US" altLang="ko-KR" sz="1200" dirty="0" smtClean="0"/>
-          </a:p>
-          <a:p>
-            <a:pPr marL="742950" lvl="1" indent="-285750">
-              <a:buFont typeface="맑은 고딕" panose="020B0503020000020004" pitchFamily="50" charset="-127"/>
-              <a:buChar char="–"/>
-            </a:pPr>
-            <a:r>
-              <a:rPr lang="ko-KR" altLang="en-US" sz="1200" dirty="0" smtClean="0"/>
-              <a:t>검색 진행</a:t>
+              <a:t>요건에 충족된 게시판 선택</a:t>
             </a:r>
             <a:endParaRPr lang="en-US" altLang="ko-KR" sz="1200" dirty="0" smtClean="0"/>
           </a:p>
@@ -5868,11 +6560,7 @@
             </a:r>
             <a:r>
               <a:rPr lang="ko-KR" altLang="en-US" sz="1200" dirty="0" smtClean="0"/>
-              <a:t>음성으로 검색을 한다</a:t>
-            </a:r>
-            <a:r>
-              <a:rPr lang="en-US" altLang="ko-KR" sz="1200" dirty="0" smtClean="0"/>
-              <a:t>.</a:t>
+              <a:t>다중 태그를 판단</a:t>
             </a:r>
             <a:endParaRPr lang="ko-KR" altLang="en-US" sz="1200" dirty="0"/>
           </a:p>
@@ -5886,8 +6574,8 @@
         </p:nvSpPr>
         <p:spPr>
           <a:xfrm>
-            <a:off x="6133171" y="0"/>
-            <a:ext cx="6058829" cy="2492990"/>
+            <a:off x="5552068" y="406400"/>
+            <a:ext cx="4116039" cy="2492990"/>
           </a:xfrm>
           <a:prstGeom prst="rect">
             <a:avLst/>
@@ -5922,13 +6610,10 @@
               <a:t>: </a:t>
             </a:r>
             <a:r>
-              <a:rPr lang="ko-KR" altLang="en-US" sz="1200" dirty="0"/>
-              <a:t>대화형 검색 엔진</a:t>
-            </a:r>
-            <a:r>
-              <a:rPr lang="en-US" altLang="ko-KR" sz="1200" dirty="0" smtClean="0"/>
-              <a:t> </a:t>
-            </a:r>
+              <a:rPr lang="ko-KR" altLang="en-US" sz="1200" dirty="0" smtClean="0"/>
+              <a:t>공유게시판 등록</a:t>
+            </a:r>
+            <a:endParaRPr lang="en-US" altLang="ko-KR" sz="1200" dirty="0" smtClean="0"/>
           </a:p>
           <a:p>
             <a:pPr marL="285750" indent="-285750">
@@ -5941,8 +6626,13 @@
             </a:r>
             <a:r>
               <a:rPr lang="en-US" altLang="ko-KR" sz="1200" dirty="0" smtClean="0"/>
-              <a:t>: Manager system</a:t>
-            </a:r>
+              <a:t>: </a:t>
+            </a:r>
+            <a:r>
+              <a:rPr lang="ko-KR" altLang="en-US" sz="1200" dirty="0" smtClean="0"/>
+              <a:t>사용자</a:t>
+            </a:r>
+            <a:endParaRPr lang="en-US" altLang="ko-KR" sz="1200" dirty="0" smtClean="0"/>
           </a:p>
           <a:p>
             <a:pPr marL="285750" indent="-285750">
@@ -5966,7 +6656,7 @@
             </a:pPr>
             <a:r>
               <a:rPr lang="ko-KR" altLang="en-US" sz="1200" dirty="0" smtClean="0"/>
-              <a:t>시스템 구동을 위해 사용자를 도와준다</a:t>
+              <a:t>직접 만든 게시판을 등록한다</a:t>
             </a:r>
             <a:r>
               <a:rPr lang="en-US" altLang="ko-KR" sz="1200" dirty="0" smtClean="0"/>
@@ -5993,15 +6683,7 @@
             </a:r>
             <a:r>
               <a:rPr lang="ko-KR" altLang="en-US" sz="1200" dirty="0" smtClean="0"/>
-              <a:t>사용자 등록 및 </a:t>
-            </a:r>
-            <a:r>
-              <a:rPr lang="en-US" altLang="ko-KR" sz="1200" dirty="0" smtClean="0"/>
-              <a:t>plug-in </a:t>
-            </a:r>
-            <a:r>
-              <a:rPr lang="ko-KR" altLang="en-US" sz="1200" dirty="0" smtClean="0"/>
-              <a:t>실행</a:t>
+              <a:t>로그인</a:t>
             </a:r>
             <a:endParaRPr lang="en-US" altLang="ko-KR" sz="1200" dirty="0" smtClean="0"/>
           </a:p>
@@ -6023,20 +6705,9 @@
             </a:pPr>
             <a:r>
               <a:rPr lang="ko-KR" altLang="en-US" sz="1200" dirty="0" smtClean="0"/>
-              <a:t>사용자를 등록 후 </a:t>
-            </a:r>
-            <a:r>
-              <a:rPr lang="en-US" altLang="ko-KR" sz="1200" dirty="0" smtClean="0"/>
-              <a:t>Plug-in</a:t>
-            </a:r>
-            <a:r>
-              <a:rPr lang="ko-KR" altLang="en-US" sz="1200" dirty="0" smtClean="0"/>
-              <a:t>을 구동 시켜 음성 입력 대기 상태로 만든다</a:t>
-            </a:r>
-            <a:r>
-              <a:rPr lang="en-US" altLang="ko-KR" sz="1200" dirty="0" smtClean="0"/>
-              <a:t>.</a:t>
-            </a:r>
+              <a:t>공유게시판에 상단 오른쪽 등록하기 클릭</a:t>
+            </a:r>
+            <a:endParaRPr lang="en-US" altLang="ko-KR" sz="1200" dirty="0" smtClean="0"/>
           </a:p>
           <a:p>
             <a:pPr marL="742950" lvl="1" indent="-285750">
@@ -6045,31 +6716,31 @@
             </a:pPr>
             <a:r>
               <a:rPr lang="ko-KR" altLang="en-US" sz="1200" dirty="0" smtClean="0"/>
-              <a:t>음성인식 </a:t>
-            </a:r>
-            <a:r>
-              <a:rPr lang="ko-KR" altLang="en-US" sz="1200" dirty="0" err="1" smtClean="0"/>
-              <a:t>오픈소스</a:t>
+              <a:t>등록하는 과정에서 파일 첨부</a:t>
+            </a:r>
+            <a:r>
+              <a:rPr lang="en-US" altLang="ko-KR" sz="1200" dirty="0" smtClean="0"/>
+              <a:t>, </a:t>
             </a:r>
             <a:r>
               <a:rPr lang="ko-KR" altLang="en-US" sz="1200" dirty="0" smtClean="0"/>
-              <a:t> 데이터를 상속한 각 </a:t>
-            </a:r>
-            <a:r>
-              <a:rPr lang="ko-KR" altLang="en-US" sz="1200" dirty="0" err="1" smtClean="0"/>
-              <a:t>사용자별</a:t>
+              <a:t>체크박스 선택</a:t>
+            </a:r>
+            <a:r>
+              <a:rPr lang="en-US" altLang="ko-KR" sz="1200" dirty="0" smtClean="0"/>
+              <a:t>, </a:t>
             </a:r>
             <a:r>
               <a:rPr lang="ko-KR" altLang="en-US" sz="1200" dirty="0" smtClean="0"/>
-              <a:t> </a:t>
+              <a:t>공개여부</a:t>
             </a:r>
             <a:r>
               <a:rPr lang="en-US" altLang="ko-KR" sz="1200" dirty="0" smtClean="0"/>
-              <a:t>DB</a:t>
+              <a:t>, </a:t>
             </a:r>
             <a:r>
               <a:rPr lang="ko-KR" altLang="en-US" sz="1200" dirty="0" smtClean="0"/>
-              <a:t>구축</a:t>
+              <a:t>상세설명 등 기입</a:t>
             </a:r>
             <a:endParaRPr lang="en-US" altLang="ko-KR" sz="1200" dirty="0" smtClean="0"/>
           </a:p>
@@ -6080,9 +6751,17 @@
             </a:pPr>
             <a:r>
               <a:rPr lang="ko-KR" altLang="en-US" sz="1200" dirty="0" smtClean="0"/>
-              <a:t>사용자의 음성 데이터를 사용할 때마다 갱신</a:t>
-            </a:r>
-            <a:endParaRPr lang="en-US" altLang="ko-KR" sz="1200" dirty="0"/>
+              <a:t>등록하는 과정 중 </a:t>
+            </a:r>
+            <a:r>
+              <a:rPr lang="ko-KR" altLang="en-US" sz="1200" dirty="0" err="1" smtClean="0"/>
+              <a:t>미리보기</a:t>
+            </a:r>
+            <a:r>
+              <a:rPr lang="ko-KR" altLang="en-US" sz="1200" dirty="0" smtClean="0"/>
+              <a:t> 가능</a:t>
+            </a:r>
+            <a:endParaRPr lang="en-US" altLang="ko-KR" sz="1200" dirty="0" smtClean="0"/>
           </a:p>
           <a:p>
             <a:pPr marL="742950" lvl="1" indent="-285750">
@@ -6091,34 +6770,12 @@
             </a:pPr>
             <a:r>
               <a:rPr lang="ko-KR" altLang="en-US" sz="1200" dirty="0" smtClean="0"/>
-              <a:t>입력된 음성 데이터를 웹 상의 문자 데이터와 비교 후 리스트화</a:t>
-            </a:r>
-            <a:endParaRPr lang="en-US" altLang="ko-KR" sz="1200" dirty="0" smtClean="0"/>
-          </a:p>
-          <a:p>
-            <a:pPr marL="742950" lvl="1" indent="-285750">
-              <a:buFont typeface="맑은 고딕" panose="020B0503020000020004" pitchFamily="50" charset="-127"/>
-              <a:buChar char="–"/>
-            </a:pPr>
-            <a:r>
-              <a:rPr lang="ko-KR" altLang="en-US" sz="1200" dirty="0" smtClean="0"/>
-              <a:t>사용자에게 리스트 </a:t>
+              <a:t>등록하기 누르면 전 페이지에서 등록된 게시물을 볼 수 있다</a:t>
             </a:r>
             <a:r>
               <a:rPr lang="en-US" altLang="ko-KR" sz="1200" dirty="0" smtClean="0"/>
-              <a:t>pop</a:t>
-            </a:r>
-          </a:p>
-          <a:p>
-            <a:pPr marL="742950" lvl="1" indent="-285750">
-              <a:buFont typeface="맑은 고딕" panose="020B0503020000020004" pitchFamily="50" charset="-127"/>
-              <a:buChar char="–"/>
-            </a:pPr>
-            <a:r>
-              <a:rPr lang="ko-KR" altLang="en-US" sz="1200" dirty="0" smtClean="0"/>
-              <a:t>사용자의 결정 대기 </a:t>
-            </a:r>
-            <a:endParaRPr lang="en-US" altLang="ko-KR" sz="1200" dirty="0" smtClean="0"/>
+              <a:t>.</a:t>
+            </a:r>
           </a:p>
           <a:p>
             <a:pPr marL="285750" indent="-285750">
@@ -6135,7 +6792,7 @@
             </a:r>
             <a:r>
               <a:rPr lang="ko-KR" altLang="en-US" sz="1200" dirty="0" smtClean="0"/>
-              <a:t>사용자의 목적에 맞는 음성검색 실시</a:t>
+              <a:t>공개여부 </a:t>
             </a:r>
             <a:endParaRPr lang="ko-KR" altLang="en-US" sz="1200" dirty="0"/>
           </a:p>
@@ -6149,8 +6806,8 @@
         </p:nvSpPr>
         <p:spPr>
           <a:xfrm>
-            <a:off x="746667" y="2956897"/>
-            <a:ext cx="8610600" cy="2123658"/>
+            <a:off x="1210394" y="2948878"/>
+            <a:ext cx="3956692" cy="2308324"/>
           </a:xfrm>
           <a:prstGeom prst="rect">
             <a:avLst/>
@@ -6185,13 +6842,10 @@
               <a:t>: </a:t>
             </a:r>
             <a:r>
-              <a:rPr lang="ko-KR" altLang="en-US" sz="1200" dirty="0"/>
-              <a:t>대화형 검색 엔진</a:t>
-            </a:r>
-            <a:r>
-              <a:rPr lang="en-US" altLang="ko-KR" sz="1200" dirty="0" smtClean="0"/>
-              <a:t> </a:t>
-            </a:r>
+              <a:rPr lang="ko-KR" altLang="en-US" sz="1200" dirty="0" smtClean="0"/>
+              <a:t>나만의 게시판 만들기</a:t>
+            </a:r>
+            <a:endParaRPr lang="en-US" altLang="ko-KR" sz="1200" dirty="0" smtClean="0"/>
           </a:p>
           <a:p>
             <a:pPr marL="285750" indent="-285750">
@@ -6204,9 +6858,13 @@
             </a:r>
             <a:r>
               <a:rPr lang="en-US" altLang="ko-KR" sz="1200" dirty="0" smtClean="0"/>
-              <a:t>:  Server DB</a:t>
-            </a:r>
-            <a:endParaRPr lang="en-US" altLang="ko-KR" sz="1200" dirty="0"/>
+              <a:t>: </a:t>
+            </a:r>
+            <a:r>
+              <a:rPr lang="ko-KR" altLang="en-US" sz="1200" dirty="0" smtClean="0"/>
+              <a:t>사용자</a:t>
+            </a:r>
+            <a:endParaRPr lang="en-US" altLang="ko-KR" sz="1200" dirty="0" smtClean="0"/>
           </a:p>
           <a:p>
             <a:pPr marL="285750" indent="-285750">
@@ -6230,11 +6888,11 @@
             </a:pPr>
             <a:r>
               <a:rPr lang="ko-KR" altLang="en-US" sz="1200" dirty="0" err="1" smtClean="0"/>
-              <a:t>오픈소스를</a:t>
+              <a:t>커스터마이징</a:t>
             </a:r>
             <a:r>
               <a:rPr lang="ko-KR" altLang="en-US" sz="1200" dirty="0" smtClean="0"/>
-              <a:t> 기본 음성 데이터 베이스로 저장 및 사용자 음성데이터 갱신</a:t>
+              <a:t> 기능</a:t>
             </a:r>
             <a:endParaRPr lang="en-US" altLang="ko-KR" sz="1200" dirty="0" smtClean="0"/>
           </a:p>
@@ -6249,11 +6907,19 @@
             </a:r>
             <a:r>
               <a:rPr lang="en-US" altLang="ko-KR" sz="1200" dirty="0" smtClean="0"/>
-              <a:t>: Python</a:t>
+              <a:t>: </a:t>
             </a:r>
             <a:r>
               <a:rPr lang="ko-KR" altLang="en-US" sz="1200" dirty="0" smtClean="0"/>
-              <a:t>을 이용하여 음성 인식 데이터 구축</a:t>
+              <a:t>요소 선택</a:t>
+            </a:r>
+            <a:r>
+              <a:rPr lang="en-US" altLang="ko-KR" sz="1200" dirty="0" smtClean="0"/>
+              <a:t>, </a:t>
+            </a:r>
+            <a:r>
+              <a:rPr lang="ko-KR" altLang="en-US" sz="1200" dirty="0" smtClean="0"/>
+              <a:t>태그 기입</a:t>
             </a:r>
             <a:endParaRPr lang="en-US" altLang="ko-KR" sz="1200" dirty="0" smtClean="0"/>
           </a:p>
@@ -6275,7 +6941,7 @@
             </a:pPr>
             <a:r>
               <a:rPr lang="ko-KR" altLang="en-US" sz="1200" dirty="0" smtClean="0"/>
-              <a:t>기본 데이터 구축</a:t>
+              <a:t>요소를 선택</a:t>
             </a:r>
             <a:endParaRPr lang="en-US" altLang="ko-KR" sz="1200" dirty="0" smtClean="0"/>
           </a:p>
@@ -6286,7 +6952,7 @@
             </a:pPr>
             <a:r>
               <a:rPr lang="ko-KR" altLang="en-US" sz="1200" dirty="0" smtClean="0"/>
-              <a:t>기본 데이터를 상속한 사용자의 데이터 개별 구축</a:t>
+              <a:t>선택 결과 요소 태그와 관련된 게시판 나열</a:t>
             </a:r>
             <a:endParaRPr lang="en-US" altLang="ko-KR" sz="1200" dirty="0" smtClean="0"/>
           </a:p>
@@ -6297,11 +6963,7 @@
             </a:pPr>
             <a:r>
               <a:rPr lang="ko-KR" altLang="en-US" sz="1200" dirty="0" smtClean="0"/>
-              <a:t>사용자 </a:t>
-            </a:r>
-            <a:r>
-              <a:rPr lang="ko-KR" altLang="en-US" sz="1200" smtClean="0"/>
-              <a:t>데이터를 갱신 및 최적화 </a:t>
+              <a:t>나열된 게시판 중 하나를 선택</a:t>
             </a:r>
             <a:endParaRPr lang="en-US" altLang="ko-KR" sz="1200" dirty="0" smtClean="0"/>
           </a:p>
@@ -6310,6 +6972,21 @@
               <a:buFont typeface="맑은 고딕" panose="020B0503020000020004" pitchFamily="50" charset="-127"/>
               <a:buChar char="–"/>
             </a:pPr>
+            <a:r>
+              <a:rPr lang="ko-KR" altLang="en-US" sz="1200" dirty="0" smtClean="0"/>
+              <a:t>선택된 게시판을 상세페이지로 이동</a:t>
+            </a:r>
+            <a:endParaRPr lang="en-US" altLang="ko-KR" sz="1200" dirty="0" smtClean="0"/>
+          </a:p>
+          <a:p>
+            <a:pPr marL="742950" lvl="1" indent="-285750">
+              <a:buFont typeface="맑은 고딕" panose="020B0503020000020004" pitchFamily="50" charset="-127"/>
+              <a:buChar char="–"/>
+            </a:pPr>
+            <a:r>
+              <a:rPr lang="ko-KR" altLang="en-US" sz="1200" dirty="0" smtClean="0"/>
+              <a:t>수정 후 등록</a:t>
+            </a:r>
             <a:endParaRPr lang="en-US" altLang="ko-KR" sz="1200" dirty="0" smtClean="0"/>
           </a:p>
           <a:p>
@@ -6326,8 +7003,12 @@
               <a:t>: </a:t>
             </a:r>
             <a:r>
+              <a:rPr lang="ko-KR" altLang="en-US" sz="1200" dirty="0" err="1" smtClean="0"/>
+              <a:t>마이페이지에서</a:t>
+            </a:r>
+            <a:r>
               <a:rPr lang="ko-KR" altLang="en-US" sz="1200" dirty="0" smtClean="0"/>
-              <a:t>사용자에게 기본데이터 및 사용자 맞춤 데이터 제공</a:t>
+              <a:t> 다운로드 가능</a:t>
             </a:r>
             <a:endParaRPr lang="ko-KR" altLang="en-US" sz="1200" dirty="0"/>
           </a:p>
@@ -6346,7 +7027,7 @@
 </p:sld>
 </file>
 
-<file path=ppt/slides/slide4.xml><?xml version="1.0" encoding="utf-8"?>
+<file path=ppt/slides/slide7.xml><?xml version="1.0" encoding="utf-8"?>
 <p:sld xmlns:a="http://schemas.openxmlformats.org/drawingml/2006/main" xmlns:r="http://schemas.openxmlformats.org/officeDocument/2006/relationships" xmlns:p="http://schemas.openxmlformats.org/presentationml/2006/main">
   <p:cSld>
     <p:spTree>
@@ -6633,7 +7314,7 @@
 </p:sld>
 </file>
 
-<file path=ppt/slides/slide5.xml><?xml version="1.0" encoding="utf-8"?>
+<file path=ppt/slides/slide8.xml><?xml version="1.0" encoding="utf-8"?>
 <p:sld xmlns:a="http://schemas.openxmlformats.org/drawingml/2006/main" xmlns:r="http://schemas.openxmlformats.org/officeDocument/2006/relationships" xmlns:p="http://schemas.openxmlformats.org/presentationml/2006/main">
   <p:cSld>
     <p:spTree>
@@ -8626,7 +9307,7 @@
 </p:sld>
 </file>
 
-<file path=ppt/slides/slide6.xml><?xml version="1.0" encoding="utf-8"?>
+<file path=ppt/slides/slide9.xml><?xml version="1.0" encoding="utf-8"?>
 <p:sld xmlns:a="http://schemas.openxmlformats.org/drawingml/2006/main" xmlns:r="http://schemas.openxmlformats.org/officeDocument/2006/relationships" xmlns:p="http://schemas.openxmlformats.org/presentationml/2006/main">
   <p:cSld>
     <p:spTree>
